--- a/present__entrega_1.pptx
+++ b/present__entrega_1.pptx
@@ -281,7 +281,7 @@
           <a:p>
             <a:fld id="{45AC8926-5D0B-499C-AB0B-8DDFDF31E50F}" type="datetimeFigureOut">
               <a:rPr lang="es-AR" smtClean="0"/>
-              <a:t>3/9/2025</a:t>
+              <a:t>5/11/2025</a:t>
             </a:fld>
             <a:endParaRPr lang="es-AR"/>
           </a:p>
@@ -481,7 +481,7 @@
           <a:p>
             <a:fld id="{45AC8926-5D0B-499C-AB0B-8DDFDF31E50F}" type="datetimeFigureOut">
               <a:rPr lang="es-AR" smtClean="0"/>
-              <a:t>3/9/2025</a:t>
+              <a:t>5/11/2025</a:t>
             </a:fld>
             <a:endParaRPr lang="es-AR"/>
           </a:p>
@@ -691,7 +691,7 @@
           <a:p>
             <a:fld id="{45AC8926-5D0B-499C-AB0B-8DDFDF31E50F}" type="datetimeFigureOut">
               <a:rPr lang="es-AR" smtClean="0"/>
-              <a:t>3/9/2025</a:t>
+              <a:t>5/11/2025</a:t>
             </a:fld>
             <a:endParaRPr lang="es-AR"/>
           </a:p>
@@ -891,7 +891,7 @@
           <a:p>
             <a:fld id="{45AC8926-5D0B-499C-AB0B-8DDFDF31E50F}" type="datetimeFigureOut">
               <a:rPr lang="es-AR" smtClean="0"/>
-              <a:t>3/9/2025</a:t>
+              <a:t>5/11/2025</a:t>
             </a:fld>
             <a:endParaRPr lang="es-AR"/>
           </a:p>
@@ -1167,7 +1167,7 @@
           <a:p>
             <a:fld id="{45AC8926-5D0B-499C-AB0B-8DDFDF31E50F}" type="datetimeFigureOut">
               <a:rPr lang="es-AR" smtClean="0"/>
-              <a:t>3/9/2025</a:t>
+              <a:t>5/11/2025</a:t>
             </a:fld>
             <a:endParaRPr lang="es-AR"/>
           </a:p>
@@ -1435,7 +1435,7 @@
           <a:p>
             <a:fld id="{45AC8926-5D0B-499C-AB0B-8DDFDF31E50F}" type="datetimeFigureOut">
               <a:rPr lang="es-AR" smtClean="0"/>
-              <a:t>3/9/2025</a:t>
+              <a:t>5/11/2025</a:t>
             </a:fld>
             <a:endParaRPr lang="es-AR"/>
           </a:p>
@@ -1850,7 +1850,7 @@
           <a:p>
             <a:fld id="{45AC8926-5D0B-499C-AB0B-8DDFDF31E50F}" type="datetimeFigureOut">
               <a:rPr lang="es-AR" smtClean="0"/>
-              <a:t>3/9/2025</a:t>
+              <a:t>5/11/2025</a:t>
             </a:fld>
             <a:endParaRPr lang="es-AR"/>
           </a:p>
@@ -1992,7 +1992,7 @@
           <a:p>
             <a:fld id="{45AC8926-5D0B-499C-AB0B-8DDFDF31E50F}" type="datetimeFigureOut">
               <a:rPr lang="es-AR" smtClean="0"/>
-              <a:t>3/9/2025</a:t>
+              <a:t>5/11/2025</a:t>
             </a:fld>
             <a:endParaRPr lang="es-AR"/>
           </a:p>
@@ -2105,7 +2105,7 @@
           <a:p>
             <a:fld id="{45AC8926-5D0B-499C-AB0B-8DDFDF31E50F}" type="datetimeFigureOut">
               <a:rPr lang="es-AR" smtClean="0"/>
-              <a:t>3/9/2025</a:t>
+              <a:t>5/11/2025</a:t>
             </a:fld>
             <a:endParaRPr lang="es-AR"/>
           </a:p>
@@ -2418,7 +2418,7 @@
           <a:p>
             <a:fld id="{45AC8926-5D0B-499C-AB0B-8DDFDF31E50F}" type="datetimeFigureOut">
               <a:rPr lang="es-AR" smtClean="0"/>
-              <a:t>3/9/2025</a:t>
+              <a:t>5/11/2025</a:t>
             </a:fld>
             <a:endParaRPr lang="es-AR"/>
           </a:p>
@@ -2707,7 +2707,7 @@
           <a:p>
             <a:fld id="{45AC8926-5D0B-499C-AB0B-8DDFDF31E50F}" type="datetimeFigureOut">
               <a:rPr lang="es-AR" smtClean="0"/>
-              <a:t>3/9/2025</a:t>
+              <a:t>5/11/2025</a:t>
             </a:fld>
             <a:endParaRPr lang="es-AR"/>
           </a:p>
@@ -2950,7 +2950,7 @@
           <a:p>
             <a:fld id="{45AC8926-5D0B-499C-AB0B-8DDFDF31E50F}" type="datetimeFigureOut">
               <a:rPr lang="es-AR" smtClean="0"/>
-              <a:t>3/9/2025</a:t>
+              <a:t>5/11/2025</a:t>
             </a:fld>
             <a:endParaRPr lang="es-AR"/>
           </a:p>
@@ -3682,6 +3682,24 @@
               </a:rPr>
               <a:t>Integrantes del grupo: </a:t>
             </a:r>
+          </a:p>
+          <a:p>
+            <a:pPr>
+              <a:lnSpc>
+                <a:spcPct val="107000"/>
+              </a:lnSpc>
+              <a:spcAft>
+                <a:spcPts val="800"/>
+              </a:spcAft>
+            </a:pPr>
+            <a:r>
+              <a:rPr lang="es-AR" sz="2400" kern="100" dirty="0">
+                <a:latin typeface="Calibri"/>
+                <a:ea typeface="Calibri"/>
+                <a:cs typeface="Times New Roman"/>
+              </a:rPr>
+              <a:t>García Tobías</a:t>
+            </a:r>
             <a:br>
               <a:rPr lang="es-AR" sz="2400" kern="100" dirty="0">
                 <a:latin typeface="Calibri"/>
@@ -3714,20 +3732,12 @@
               </a:rPr>
             </a:br>
             <a:r>
-              <a:rPr lang="es-AR" sz="2400" kern="100" dirty="0" err="1">
-                <a:latin typeface="Calibri"/>
-                <a:ea typeface="Calibri"/>
-                <a:cs typeface="Times New Roman"/>
-              </a:rPr>
-              <a:t>Carmagnac</a:t>
-            </a:r>
-            <a:r>
               <a:rPr lang="es-AR" sz="2400" kern="100" dirty="0">
                 <a:latin typeface="Calibri"/>
                 <a:ea typeface="Calibri"/>
                 <a:cs typeface="Times New Roman"/>
               </a:rPr>
-              <a:t> María Clara</a:t>
+              <a:t>Carmagnac María Clara</a:t>
             </a:r>
             <a:endParaRPr lang="es-AR" sz="2400" kern="100" dirty="0">
               <a:effectLst/>
@@ -5141,13 +5151,13 @@
   <p:clrMapOvr>
     <a:masterClrMapping/>
   </p:clrMapOvr>
-  <mc:AlternateContent xmlns:mc="http://schemas.openxmlformats.org/markup-compatibility/2006">
-    <mc:Choice xmlns:p14="http://schemas.microsoft.com/office/powerpoint/2010/main" Requires="p14">
+  <mc:AlternateContent xmlns:mc="http://schemas.openxmlformats.org/markup-compatibility/2006" xmlns:p14="http://schemas.microsoft.com/office/powerpoint/2010/main">
+    <mc:Choice Requires="p14">
       <p:transition spd="slow" p14:dur="1250">
         <p14:flip dir="r"/>
       </p:transition>
     </mc:Choice>
-    <mc:Fallback>
+    <mc:Fallback xmlns="">
       <p:transition spd="slow">
         <p:fade/>
       </p:transition>
@@ -5535,6 +5545,31 @@
             <a:normAutofit/>
           </a:bodyPr>
           <a:lstStyle/>
+          <a:p>
+            <a:pPr algn="ctr">
+              <a:lnSpc>
+                <a:spcPct val="90000"/>
+              </a:lnSpc>
+              <a:spcBef>
+                <a:spcPct val="0"/>
+              </a:spcBef>
+              <a:spcAft>
+                <a:spcPts val="800"/>
+              </a:spcAft>
+            </a:pPr>
+            <a:r>
+              <a:rPr lang="en-US" sz="2600" kern="1200" dirty="0">
+                <a:solidFill>
+                  <a:srgbClr val="FFFFFF"/>
+                </a:solidFill>
+                <a:effectLst/>
+                <a:latin typeface="+mj-lt"/>
+                <a:ea typeface="+mj-ea"/>
+                <a:cs typeface="+mj-cs"/>
+              </a:rPr>
+              <a:t>García, Tobías</a:t>
+            </a:r>
+          </a:p>
           <a:p>
             <a:pPr algn="ctr">
               <a:lnSpc>
@@ -6893,8 +6928,8 @@
         </p:nvSpPr>
         <p:spPr>
           <a:xfrm>
-            <a:off x="489856" y="399855"/>
-            <a:ext cx="6368143" cy="6058289"/>
+            <a:off x="682014" y="1308514"/>
+            <a:ext cx="6368143" cy="4240971"/>
           </a:xfrm>
           <a:prstGeom prst="rect">
             <a:avLst/>
@@ -7202,203 +7237,6 @@
               </a:rPr>
               <a:t>.</a:t>
             </a:r>
-          </a:p>
-          <a:p>
-            <a:pPr marL="1371600" lvl="1" indent="-571500">
-              <a:lnSpc>
-                <a:spcPct val="90000"/>
-              </a:lnSpc>
-              <a:spcAft>
-                <a:spcPts val="600"/>
-              </a:spcAft>
-              <a:buFont typeface="Wingdings" panose="05000000000000000000" pitchFamily="2" charset="2"/>
-              <a:buChar char="ü"/>
-            </a:pPr>
-            <a:r>
-              <a:rPr lang="en-US" sz="3000" dirty="0" err="1">
-                <a:solidFill>
-                  <a:schemeClr val="bg1"/>
-                </a:solidFill>
-              </a:rPr>
-              <a:t>Hábitos</a:t>
-            </a:r>
-            <a:r>
-              <a:rPr lang="en-US" sz="3000" dirty="0">
-                <a:solidFill>
-                  <a:schemeClr val="bg1"/>
-                </a:solidFill>
-              </a:rPr>
-              <a:t> </a:t>
-            </a:r>
-            <a:r>
-              <a:rPr lang="en-US" sz="3000" dirty="0" err="1">
-                <a:solidFill>
-                  <a:schemeClr val="bg1"/>
-                </a:solidFill>
-              </a:rPr>
-              <a:t>saludables</a:t>
-            </a:r>
-            <a:r>
-              <a:rPr lang="en-US" sz="3000" dirty="0">
-                <a:solidFill>
-                  <a:schemeClr val="bg1"/>
-                </a:solidFill>
-              </a:rPr>
-              <a:t>, </a:t>
-            </a:r>
-            <a:r>
-              <a:rPr lang="en-US" sz="3000" dirty="0" err="1">
-                <a:solidFill>
-                  <a:schemeClr val="bg1"/>
-                </a:solidFill>
-              </a:rPr>
-              <a:t>ej</a:t>
-            </a:r>
-            <a:r>
-              <a:rPr lang="en-US" sz="3000" dirty="0">
-                <a:solidFill>
-                  <a:schemeClr val="bg1"/>
-                </a:solidFill>
-              </a:rPr>
-              <a:t>: </a:t>
-            </a:r>
-            <a:r>
-              <a:rPr lang="en-US" sz="3000" dirty="0" err="1">
-                <a:solidFill>
-                  <a:schemeClr val="bg1"/>
-                </a:solidFill>
-              </a:rPr>
-              <a:t>agua</a:t>
-            </a:r>
-            <a:r>
-              <a:rPr lang="en-US" sz="3000" dirty="0">
-                <a:solidFill>
-                  <a:schemeClr val="bg1"/>
-                </a:solidFill>
-              </a:rPr>
-              <a:t>, </a:t>
-            </a:r>
-            <a:r>
-              <a:rPr lang="en-US" sz="3000" dirty="0" err="1">
-                <a:solidFill>
-                  <a:schemeClr val="bg1"/>
-                </a:solidFill>
-              </a:rPr>
-              <a:t>actividad</a:t>
-            </a:r>
-            <a:r>
-              <a:rPr lang="en-US" sz="3000" dirty="0">
-                <a:solidFill>
-                  <a:schemeClr val="bg1"/>
-                </a:solidFill>
-              </a:rPr>
-              <a:t> </a:t>
-            </a:r>
-            <a:r>
-              <a:rPr lang="en-US" sz="3000" dirty="0" err="1">
-                <a:solidFill>
-                  <a:schemeClr val="bg1"/>
-                </a:solidFill>
-              </a:rPr>
-              <a:t>física</a:t>
-            </a:r>
-            <a:r>
-              <a:rPr lang="en-US" sz="3000" dirty="0">
-                <a:solidFill>
-                  <a:schemeClr val="bg1"/>
-                </a:solidFill>
-              </a:rPr>
-              <a:t>, </a:t>
-            </a:r>
-            <a:r>
-              <a:rPr lang="en-US" sz="3000" dirty="0" err="1">
-                <a:solidFill>
-                  <a:schemeClr val="bg1"/>
-                </a:solidFill>
-              </a:rPr>
-              <a:t>descanso</a:t>
-            </a:r>
-            <a:r>
-              <a:rPr lang="en-US" sz="3000" dirty="0">
-                <a:solidFill>
-                  <a:schemeClr val="bg1"/>
-                </a:solidFill>
-              </a:rPr>
-              <a:t>.</a:t>
-            </a:r>
-          </a:p>
-          <a:p>
-            <a:pPr marL="1371600" lvl="1" indent="-571500">
-              <a:lnSpc>
-                <a:spcPct val="90000"/>
-              </a:lnSpc>
-              <a:spcAft>
-                <a:spcPts val="600"/>
-              </a:spcAft>
-              <a:buFont typeface="Wingdings" panose="05000000000000000000" pitchFamily="2" charset="2"/>
-              <a:buChar char="ü"/>
-            </a:pPr>
-            <a:r>
-              <a:rPr lang="en-US" sz="3000" dirty="0" err="1">
-                <a:solidFill>
-                  <a:schemeClr val="bg1"/>
-                </a:solidFill>
-              </a:rPr>
-              <a:t>Compras</a:t>
-            </a:r>
-            <a:r>
-              <a:rPr lang="en-US" sz="3000" dirty="0">
-                <a:solidFill>
-                  <a:schemeClr val="bg1"/>
-                </a:solidFill>
-              </a:rPr>
-              <a:t> y </a:t>
-            </a:r>
-            <a:r>
-              <a:rPr lang="en-US" sz="3000" dirty="0" err="1">
-                <a:solidFill>
-                  <a:schemeClr val="bg1"/>
-                </a:solidFill>
-              </a:rPr>
-              <a:t>lista</a:t>
-            </a:r>
-            <a:r>
-              <a:rPr lang="en-US" sz="3000" dirty="0">
-                <a:solidFill>
-                  <a:schemeClr val="bg1"/>
-                </a:solidFill>
-              </a:rPr>
-              <a:t> de </a:t>
-            </a:r>
-            <a:r>
-              <a:rPr lang="en-US" sz="3000" dirty="0" err="1">
-                <a:solidFill>
-                  <a:schemeClr val="bg1"/>
-                </a:solidFill>
-              </a:rPr>
-              <a:t>productos</a:t>
-            </a:r>
-            <a:r>
-              <a:rPr lang="en-US" sz="3000" dirty="0">
-                <a:solidFill>
-                  <a:schemeClr val="bg1"/>
-                </a:solidFill>
-              </a:rPr>
-              <a:t> </a:t>
-            </a:r>
-            <a:r>
-              <a:rPr lang="en-US" sz="3000" dirty="0" err="1">
-                <a:solidFill>
-                  <a:schemeClr val="bg1"/>
-                </a:solidFill>
-              </a:rPr>
-              <a:t>esenciales</a:t>
-            </a:r>
-            <a:endParaRPr lang="en-US" sz="3000" dirty="0">
-              <a:solidFill>
-                <a:schemeClr val="bg1"/>
-              </a:solidFill>
-            </a:endParaRPr>
           </a:p>
           <a:p>
             <a:pPr marL="914400" indent="-571500">
@@ -7744,15 +7582,6 @@
             <a:r>
               <a:rPr lang="es-AR" sz="2700" dirty="0"/>
               <a:t>Integrar metas, compromisos y hábitos saludables.</a:t>
-            </a:r>
-          </a:p>
-          <a:p>
-            <a:pPr marL="342900" indent="-342900" algn="ctr">
-              <a:buAutoNum type="arabicPeriod"/>
-            </a:pPr>
-            <a:r>
-              <a:rPr lang="es-AR" sz="2700" dirty="0"/>
-              <a:t>Optimizar compras, mantener la alacena organizada por sectores y marcación de productos.</a:t>
             </a:r>
           </a:p>
           <a:p>
@@ -8986,14 +8815,14 @@
           <p:nvPr>
             <p:extLst>
               <p:ext uri="{D42A27DB-BD31-4B8C-83A1-F6EECF244321}">
-                <p14:modId xmlns:p14="http://schemas.microsoft.com/office/powerpoint/2010/main" val="1072171728"/>
+                <p14:modId xmlns:p14="http://schemas.microsoft.com/office/powerpoint/2010/main" val="3734436332"/>
               </p:ext>
             </p:extLst>
           </p:nvPr>
         </p:nvGraphicFramePr>
         <p:xfrm>
-          <a:off x="844332" y="1070646"/>
-          <a:ext cx="10503335" cy="5571067"/>
+          <a:off x="844330" y="1480837"/>
+          <a:ext cx="10503335" cy="4481862"/>
         </p:xfrm>
         <a:graphic>
           <a:graphicData uri="http://schemas.openxmlformats.org/drawingml/2006/table">
@@ -10101,98 +9930,6 @@
                   </a:ext>
                 </a:extLst>
               </a:tr>
-              <a:tr h="1089205">
-                <a:tc gridSpan="2">
-                  <a:txBody>
-                    <a:bodyPr/>
-                    <a:lstStyle/>
-                    <a:p>
-                      <a:pPr algn="ctr" fontAlgn="b">
-                        <a:buNone/>
-                      </a:pPr>
-                      <a:r>
-                        <a:rPr lang="es-AR" sz="2200" u="none" strike="noStrike">
-                          <a:effectLst/>
-                        </a:rPr>
-                        <a:t> </a:t>
-                      </a:r>
-                      <a:endParaRPr lang="es-AR" sz="2200" b="0" i="0" u="none" strike="noStrike">
-                        <a:solidFill>
-                          <a:srgbClr val="196B24"/>
-                        </a:solidFill>
-                        <a:effectLst/>
-                        <a:latin typeface="Aptos Narrow" panose="020B0004020202020204" pitchFamily="34" charset="0"/>
-                      </a:endParaRPr>
-                    </a:p>
-                  </a:txBody>
-                  <a:tcPr marL="15428" marR="15428" marT="15428" marB="0" anchor="b"/>
-                </a:tc>
-                <a:tc hMerge="1">
-                  <a:txBody>
-                    <a:bodyPr/>
-                    <a:lstStyle/>
-                    <a:p>
-                      <a:endParaRPr lang="es-AR"/>
-                    </a:p>
-                  </a:txBody>
-                  <a:tcPr/>
-                </a:tc>
-                <a:tc>
-                  <a:txBody>
-                    <a:bodyPr/>
-                    <a:lstStyle/>
-                    <a:p>
-                      <a:pPr algn="l" fontAlgn="b">
-                        <a:buNone/>
-                      </a:pPr>
-                      <a:r>
-                        <a:rPr lang="es-AR" sz="2200" u="none" strike="noStrike">
-                          <a:effectLst/>
-                        </a:rPr>
-                        <a:t>Lista por sectores: Supermercado, Limpieza, Dietética</a:t>
-                      </a:r>
-                      <a:endParaRPr lang="es-AR" sz="2200" b="0" i="0" u="none" strike="noStrike">
-                        <a:solidFill>
-                          <a:srgbClr val="196B24"/>
-                        </a:solidFill>
-                        <a:effectLst/>
-                        <a:latin typeface="Aptos Narrow" panose="020B0004020202020204" pitchFamily="34" charset="0"/>
-                      </a:endParaRPr>
-                    </a:p>
-                  </a:txBody>
-                  <a:tcPr marL="15428" marR="15428" marT="15428" marB="0" anchor="b"/>
-                </a:tc>
-                <a:tc>
-                  <a:txBody>
-                    <a:bodyPr/>
-                    <a:lstStyle/>
-                    <a:p>
-                      <a:pPr algn="l" fontAlgn="b">
-                        <a:buNone/>
-                      </a:pPr>
-                      <a:r>
-                        <a:rPr lang="es-AR" sz="2200" u="none" strike="noStrike" dirty="0">
-                          <a:effectLst/>
-                        </a:rPr>
-                        <a:t> </a:t>
-                      </a:r>
-                      <a:endParaRPr lang="es-AR" sz="2200" b="0" i="0" u="none" strike="noStrike" dirty="0">
-                        <a:solidFill>
-                          <a:srgbClr val="196B24"/>
-                        </a:solidFill>
-                        <a:effectLst/>
-                        <a:latin typeface="Aptos Narrow" panose="020B0004020202020204" pitchFamily="34" charset="0"/>
-                      </a:endParaRPr>
-                    </a:p>
-                  </a:txBody>
-                  <a:tcPr marL="15428" marR="15428" marT="15428" marB="0" anchor="b"/>
-                </a:tc>
-                <a:extLst>
-                  <a:ext uri="{0D108BD9-81ED-4DB2-BD59-A6C34878D82A}">
-                    <a16:rowId xmlns:a16="http://schemas.microsoft.com/office/drawing/2014/main" val="3371065248"/>
-                  </a:ext>
-                </a:extLst>
-              </a:tr>
               <a:tr h="407442">
                 <a:tc>
                   <a:txBody>
@@ -10203,12 +9940,12 @@
                         <a:buNone/>
                       </a:pPr>
                       <a:r>
-                        <a:rPr lang="es-AR" sz="2200" u="none" strike="noStrike">
+                        <a:rPr lang="es-AR" sz="2200" u="none" strike="noStrike" dirty="0">
                           <a:effectLst/>
                         </a:rPr>
                         <a:t>Domingo</a:t>
                       </a:r>
-                      <a:endParaRPr lang="es-AR" sz="2200" b="0" i="0" u="none" strike="noStrike">
+                      <a:endParaRPr lang="es-AR" sz="2200" b="0" i="0" u="none" strike="noStrike" dirty="0">
                         <a:solidFill>
                           <a:srgbClr val="196B24"/>
                         </a:solidFill>
@@ -11678,6 +11415,18 @@
         <p:blipFill>
           <a:blip r:embed="rId2">
             <a:extLst>
+              <a:ext uri="{BEBA8EAE-BF5A-486C-A8C5-ECC9F3942E4B}">
+                <a14:imgProps xmlns:a14="http://schemas.microsoft.com/office/drawing/2010/main">
+                  <a14:imgLayer r:embed="rId3">
+                    <a14:imgEffect>
+                      <a14:colorTemperature colorTemp="7453"/>
+                    </a14:imgEffect>
+                    <a14:imgEffect>
+                      <a14:saturation sat="114000"/>
+                    </a14:imgEffect>
+                  </a14:imgLayer>
+                </a14:imgProps>
+              </a:ext>
               <a:ext uri="{28A0092B-C50C-407E-A947-70E740481C1C}">
                 <a14:useLocalDpi xmlns:a14="http://schemas.microsoft.com/office/drawing/2010/main" val="0"/>
               </a:ext>
@@ -11690,7 +11439,7 @@
         </p:blipFill>
         <p:spPr bwMode="auto">
           <a:xfrm>
-            <a:off x="1" y="10"/>
+            <a:off x="78659" y="0"/>
             <a:ext cx="9669642" cy="6857990"/>
           </a:xfrm>
           <a:prstGeom prst="rect">
@@ -11816,7 +11565,7 @@
           </a:prstGeom>
           <a:solidFill>
             <a:schemeClr val="accent5">
-              <a:alpha val="50000"/>
+              <a:alpha val="60000"/>
             </a:schemeClr>
           </a:solidFill>
           <a:ln>
@@ -11871,738 +11620,488 @@
                   </a:outerShdw>
                 </a:effectLst>
               </a:rPr>
-              <a:t>REORGANIZACIÓN AUTOMÁTICA</a:t>
-            </a:r>
-            <a:endParaRPr lang="en-US" sz="4000" b="1" dirty="0"/>
-          </a:p>
-          <a:p>
-            <a:pPr marL="628650" indent="-571500">
+              <a:t>GESTIÓN Y ORGANIZACIÓN SEMANAL</a:t>
+            </a:r>
+          </a:p>
+          <a:p>
+            <a:pPr algn="ctr">
               <a:lnSpc>
                 <a:spcPct val="90000"/>
               </a:lnSpc>
               <a:spcAft>
                 <a:spcPts val="600"/>
               </a:spcAft>
-              <a:buFont typeface="Wingdings" panose="05000000000000000000" pitchFamily="2" charset="2"/>
-              <a:buChar char="§"/>
             </a:pPr>
-            <a:r>
-              <a:rPr lang="en-US" sz="3600" dirty="0" err="1">
-                <a:ln>
-                  <a:solidFill>
-                    <a:schemeClr val="accent5">
-                      <a:lumMod val="75000"/>
-                    </a:schemeClr>
-                  </a:solidFill>
-                </a:ln>
-              </a:rPr>
-              <a:t>Detecta</a:t>
-            </a:r>
-            <a:r>
-              <a:rPr lang="en-US" sz="3600" dirty="0">
-                <a:ln>
-                  <a:solidFill>
-                    <a:schemeClr val="accent5">
-                      <a:lumMod val="75000"/>
-                    </a:schemeClr>
-                  </a:solidFill>
-                </a:ln>
-              </a:rPr>
-              <a:t> </a:t>
-            </a:r>
-            <a:r>
-              <a:rPr lang="en-US" sz="3600" dirty="0" err="1">
-                <a:ln>
-                  <a:solidFill>
-                    <a:schemeClr val="accent5">
-                      <a:lumMod val="75000"/>
-                    </a:schemeClr>
-                  </a:solidFill>
-                </a:ln>
-              </a:rPr>
-              <a:t>metas</a:t>
-            </a:r>
-            <a:r>
-              <a:rPr lang="en-US" sz="3600" dirty="0">
-                <a:ln>
-                  <a:solidFill>
-                    <a:schemeClr val="accent5">
-                      <a:lumMod val="75000"/>
-                    </a:schemeClr>
-                  </a:solidFill>
-                </a:ln>
-              </a:rPr>
-              <a:t> </a:t>
-            </a:r>
-            <a:r>
-              <a:rPr lang="en-US" sz="3600" dirty="0" err="1">
-                <a:ln>
-                  <a:solidFill>
-                    <a:schemeClr val="accent5">
-                      <a:lumMod val="75000"/>
-                    </a:schemeClr>
-                  </a:solidFill>
-                </a:ln>
-              </a:rPr>
-              <a:t>parciales</a:t>
-            </a:r>
-            <a:r>
-              <a:rPr lang="en-US" sz="3600" dirty="0">
-                <a:ln>
-                  <a:solidFill>
-                    <a:schemeClr val="accent5">
-                      <a:lumMod val="75000"/>
-                    </a:schemeClr>
-                  </a:solidFill>
-                </a:ln>
-              </a:rPr>
-              <a:t> o no </a:t>
-            </a:r>
-            <a:r>
-              <a:rPr lang="en-US" sz="3600" dirty="0" err="1">
-                <a:ln>
-                  <a:solidFill>
-                    <a:schemeClr val="accent5">
-                      <a:lumMod val="75000"/>
-                    </a:schemeClr>
-                  </a:solidFill>
-                </a:ln>
-              </a:rPr>
-              <a:t>alcanzadas</a:t>
-            </a:r>
-            <a:r>
-              <a:rPr lang="en-US" sz="3600" dirty="0">
-                <a:ln>
-                  <a:solidFill>
-                    <a:schemeClr val="accent5">
-                      <a:lumMod val="75000"/>
-                    </a:schemeClr>
-                  </a:solidFill>
-                </a:ln>
-              </a:rPr>
-              <a:t>.</a:t>
-            </a:r>
-          </a:p>
-          <a:p>
-            <a:pPr marL="628650" indent="-571500">
+            <a:endParaRPr lang="en-US" sz="4000" b="1" dirty="0">
+              <a:ln w="9525">
+                <a:solidFill>
+                  <a:schemeClr val="bg1"/>
+                </a:solidFill>
+                <a:prstDash val="solid"/>
+              </a:ln>
+              <a:solidFill>
+                <a:schemeClr val="accent5"/>
+              </a:solidFill>
+              <a:effectLst>
+                <a:outerShdw blurRad="12700" dist="38100" dir="2700000" algn="tl" rotWithShape="0">
+                  <a:schemeClr val="accent5">
+                    <a:lumMod val="60000"/>
+                    <a:lumOff val="40000"/>
+                  </a:schemeClr>
+                </a:outerShdw>
+              </a:effectLst>
+            </a:endParaRPr>
+          </a:p>
+          <a:p>
+            <a:pPr algn="ctr">
               <a:lnSpc>
                 <a:spcPct val="90000"/>
               </a:lnSpc>
               <a:spcAft>
                 <a:spcPts val="600"/>
               </a:spcAft>
-              <a:buFont typeface="Wingdings" panose="05000000000000000000" pitchFamily="2" charset="2"/>
-              <a:buChar char="§"/>
             </a:pPr>
-            <a:r>
-              <a:rPr lang="en-US" sz="3600" dirty="0" err="1">
-                <a:ln>
-                  <a:solidFill>
-                    <a:schemeClr val="accent5">
-                      <a:lumMod val="75000"/>
-                    </a:schemeClr>
-                  </a:solidFill>
-                </a:ln>
-              </a:rPr>
-              <a:t>Reubica</a:t>
-            </a:r>
-            <a:r>
-              <a:rPr lang="en-US" sz="3600" dirty="0">
-                <a:ln>
-                  <a:solidFill>
-                    <a:schemeClr val="accent5">
-                      <a:lumMod val="75000"/>
-                    </a:schemeClr>
-                  </a:solidFill>
-                </a:ln>
-              </a:rPr>
-              <a:t> </a:t>
-            </a:r>
-            <a:r>
-              <a:rPr lang="en-US" sz="3600" dirty="0" err="1">
-                <a:ln>
-                  <a:solidFill>
-                    <a:schemeClr val="accent5">
-                      <a:lumMod val="75000"/>
-                    </a:schemeClr>
-                  </a:solidFill>
-                </a:ln>
-              </a:rPr>
-              <a:t>actividades</a:t>
-            </a:r>
-            <a:r>
-              <a:rPr lang="en-US" sz="3600" dirty="0">
-                <a:ln>
-                  <a:solidFill>
-                    <a:schemeClr val="accent5">
-                      <a:lumMod val="75000"/>
-                    </a:schemeClr>
-                  </a:solidFill>
-                </a:ln>
-              </a:rPr>
-              <a:t> </a:t>
-            </a:r>
-            <a:r>
-              <a:rPr lang="en-US" sz="3600" dirty="0" err="1">
-                <a:ln>
-                  <a:solidFill>
-                    <a:schemeClr val="accent5">
-                      <a:lumMod val="75000"/>
-                    </a:schemeClr>
-                  </a:solidFill>
-                </a:ln>
-              </a:rPr>
-              <a:t>en</a:t>
-            </a:r>
-            <a:r>
-              <a:rPr lang="en-US" sz="3600" dirty="0">
-                <a:ln>
-                  <a:solidFill>
-                    <a:schemeClr val="accent5">
-                      <a:lumMod val="75000"/>
-                    </a:schemeClr>
-                  </a:solidFill>
-                </a:ln>
-              </a:rPr>
-              <a:t> </a:t>
-            </a:r>
-            <a:r>
-              <a:rPr lang="en-US" sz="3600" dirty="0" err="1">
-                <a:ln>
-                  <a:solidFill>
-                    <a:schemeClr val="accent5">
-                      <a:lumMod val="75000"/>
-                    </a:schemeClr>
-                  </a:solidFill>
-                </a:ln>
-              </a:rPr>
-              <a:t>horarios</a:t>
-            </a:r>
-            <a:r>
-              <a:rPr lang="en-US" sz="3600" dirty="0">
-                <a:ln>
-                  <a:solidFill>
-                    <a:schemeClr val="accent5">
-                      <a:lumMod val="75000"/>
-                    </a:schemeClr>
-                  </a:solidFill>
-                </a:ln>
-              </a:rPr>
-              <a:t> </a:t>
-            </a:r>
-            <a:r>
-              <a:rPr lang="en-US" sz="3600" dirty="0" err="1">
-                <a:ln>
-                  <a:solidFill>
-                    <a:schemeClr val="accent5">
-                      <a:lumMod val="75000"/>
-                    </a:schemeClr>
-                  </a:solidFill>
-                </a:ln>
-              </a:rPr>
-              <a:t>libres</a:t>
-            </a:r>
-            <a:r>
-              <a:rPr lang="en-US" sz="3600" dirty="0">
-                <a:ln>
-                  <a:solidFill>
-                    <a:schemeClr val="accent5">
-                      <a:lumMod val="75000"/>
-                    </a:schemeClr>
-                  </a:solidFill>
-                </a:ln>
-              </a:rPr>
-              <a:t> de la </a:t>
-            </a:r>
-            <a:r>
-              <a:rPr lang="en-US" sz="3600" dirty="0" err="1">
-                <a:ln>
-                  <a:solidFill>
-                    <a:schemeClr val="accent5">
-                      <a:lumMod val="75000"/>
-                    </a:schemeClr>
-                  </a:solidFill>
-                </a:ln>
-              </a:rPr>
-              <a:t>próxima</a:t>
-            </a:r>
-            <a:r>
-              <a:rPr lang="en-US" sz="3600" dirty="0">
-                <a:ln>
-                  <a:solidFill>
-                    <a:schemeClr val="accent5">
-                      <a:lumMod val="75000"/>
-                    </a:schemeClr>
-                  </a:solidFill>
-                </a:ln>
-              </a:rPr>
-              <a:t> </a:t>
-            </a:r>
-            <a:r>
-              <a:rPr lang="en-US" sz="3600" dirty="0" err="1">
-                <a:ln>
-                  <a:solidFill>
-                    <a:schemeClr val="accent5">
-                      <a:lumMod val="75000"/>
-                    </a:schemeClr>
-                  </a:solidFill>
-                </a:ln>
-              </a:rPr>
-              <a:t>semana</a:t>
-            </a:r>
-            <a:r>
-              <a:rPr lang="en-US" sz="3600" dirty="0">
-                <a:ln>
-                  <a:solidFill>
-                    <a:schemeClr val="accent5">
-                      <a:lumMod val="75000"/>
-                    </a:schemeClr>
-                  </a:solidFill>
-                </a:ln>
-              </a:rPr>
-              <a:t>.</a:t>
-            </a:r>
-          </a:p>
-          <a:p>
-            <a:pPr marL="628650" indent="-571500">
+            <a:endParaRPr lang="en-US" sz="4000" b="1" dirty="0">
+              <a:ln w="9525">
+                <a:solidFill>
+                  <a:schemeClr val="bg1"/>
+                </a:solidFill>
+                <a:prstDash val="solid"/>
+              </a:ln>
+              <a:solidFill>
+                <a:schemeClr val="accent5"/>
+              </a:solidFill>
+              <a:effectLst>
+                <a:outerShdw blurRad="12700" dist="38100" dir="2700000" algn="tl" rotWithShape="0">
+                  <a:schemeClr val="accent5">
+                    <a:lumMod val="60000"/>
+                    <a:lumOff val="40000"/>
+                  </a:schemeClr>
+                </a:outerShdw>
+              </a:effectLst>
+            </a:endParaRPr>
+          </a:p>
+          <a:p>
+            <a:pPr algn="ctr">
               <a:lnSpc>
                 <a:spcPct val="90000"/>
               </a:lnSpc>
               <a:spcAft>
                 <a:spcPts val="600"/>
               </a:spcAft>
-              <a:buFont typeface="Wingdings" panose="05000000000000000000" pitchFamily="2" charset="2"/>
-              <a:buChar char="§"/>
             </a:pPr>
-            <a:r>
-              <a:rPr lang="en-US" sz="3600" dirty="0" err="1">
-                <a:ln>
-                  <a:solidFill>
-                    <a:schemeClr val="accent5">
-                      <a:lumMod val="75000"/>
-                    </a:schemeClr>
-                  </a:solidFill>
-                </a:ln>
-              </a:rPr>
-              <a:t>Ajusta</a:t>
-            </a:r>
-            <a:r>
-              <a:rPr lang="en-US" sz="3600" dirty="0">
-                <a:ln>
-                  <a:solidFill>
-                    <a:schemeClr val="accent5">
-                      <a:lumMod val="75000"/>
-                    </a:schemeClr>
-                  </a:solidFill>
-                </a:ln>
-              </a:rPr>
-              <a:t> </a:t>
-            </a:r>
-            <a:r>
-              <a:rPr lang="en-US" sz="3600" dirty="0" err="1">
-                <a:ln>
-                  <a:solidFill>
-                    <a:schemeClr val="accent5">
-                      <a:lumMod val="75000"/>
-                    </a:schemeClr>
-                  </a:solidFill>
-                </a:ln>
-              </a:rPr>
-              <a:t>prioridades</a:t>
-            </a:r>
-            <a:r>
-              <a:rPr lang="en-US" sz="3600" dirty="0">
-                <a:ln>
-                  <a:solidFill>
-                    <a:schemeClr val="accent5">
-                      <a:lumMod val="75000"/>
-                    </a:schemeClr>
-                  </a:solidFill>
-                </a:ln>
-              </a:rPr>
-              <a:t> </a:t>
-            </a:r>
-            <a:r>
-              <a:rPr lang="en-US" sz="3600" dirty="0" err="1">
-                <a:ln>
-                  <a:solidFill>
-                    <a:schemeClr val="accent5">
-                      <a:lumMod val="75000"/>
-                    </a:schemeClr>
-                  </a:solidFill>
-                </a:ln>
-              </a:rPr>
-              <a:t>manteniendo</a:t>
-            </a:r>
-            <a:r>
-              <a:rPr lang="en-US" sz="3600" dirty="0">
-                <a:ln>
-                  <a:solidFill>
-                    <a:schemeClr val="accent5">
-                      <a:lumMod val="75000"/>
-                    </a:schemeClr>
-                  </a:solidFill>
-                </a:ln>
-              </a:rPr>
-              <a:t> </a:t>
-            </a:r>
-            <a:r>
-              <a:rPr lang="en-US" sz="3600" dirty="0" err="1">
-                <a:ln>
-                  <a:solidFill>
-                    <a:schemeClr val="accent5">
-                      <a:lumMod val="75000"/>
-                    </a:schemeClr>
-                  </a:solidFill>
-                </a:ln>
-              </a:rPr>
-              <a:t>compromisos</a:t>
-            </a:r>
-            <a:r>
-              <a:rPr lang="en-US" sz="3600" dirty="0">
-                <a:ln>
-                  <a:solidFill>
-                    <a:schemeClr val="accent5">
-                      <a:lumMod val="75000"/>
-                    </a:schemeClr>
-                  </a:solidFill>
-                </a:ln>
-              </a:rPr>
-              <a:t> </a:t>
-            </a:r>
-            <a:r>
-              <a:rPr lang="en-US" sz="3600" dirty="0" err="1">
-                <a:ln>
-                  <a:solidFill>
-                    <a:schemeClr val="accent5">
-                      <a:lumMod val="75000"/>
-                    </a:schemeClr>
-                  </a:solidFill>
-                </a:ln>
-              </a:rPr>
-              <a:t>fijos</a:t>
-            </a:r>
-            <a:r>
-              <a:rPr lang="en-US" sz="3600" dirty="0">
-                <a:ln>
-                  <a:solidFill>
-                    <a:schemeClr val="accent5">
-                      <a:lumMod val="75000"/>
-                    </a:schemeClr>
-                  </a:solidFill>
-                </a:ln>
-              </a:rPr>
-              <a:t> y </a:t>
-            </a:r>
-            <a:r>
-              <a:rPr lang="en-US" sz="3600" dirty="0" err="1">
-                <a:ln>
-                  <a:solidFill>
-                    <a:schemeClr val="accent5">
-                      <a:lumMod val="75000"/>
-                    </a:schemeClr>
-                  </a:solidFill>
-                </a:ln>
-              </a:rPr>
-              <a:t>lista</a:t>
-            </a:r>
-            <a:r>
-              <a:rPr lang="en-US" sz="3600" dirty="0">
-                <a:ln>
-                  <a:solidFill>
-                    <a:schemeClr val="accent5">
-                      <a:lumMod val="75000"/>
-                    </a:schemeClr>
-                  </a:solidFill>
-                </a:ln>
-              </a:rPr>
-              <a:t> de </a:t>
-            </a:r>
-            <a:r>
-              <a:rPr lang="en-US" sz="3600" dirty="0" err="1">
-                <a:ln>
-                  <a:solidFill>
-                    <a:schemeClr val="accent5">
-                      <a:lumMod val="75000"/>
-                    </a:schemeClr>
-                  </a:solidFill>
-                </a:ln>
-              </a:rPr>
-              <a:t>compras</a:t>
-            </a:r>
-            <a:r>
-              <a:rPr lang="en-US" sz="3600" dirty="0">
-                <a:ln>
-                  <a:solidFill>
-                    <a:schemeClr val="accent5">
-                      <a:lumMod val="75000"/>
-                    </a:schemeClr>
-                  </a:solidFill>
-                </a:ln>
-              </a:rPr>
-              <a:t>.</a:t>
-            </a:r>
-          </a:p>
-          <a:p>
-            <a:pPr marL="628650" indent="-571500">
+            <a:endParaRPr lang="en-US" sz="4000" b="1" dirty="0">
+              <a:ln w="9525">
+                <a:solidFill>
+                  <a:schemeClr val="bg1"/>
+                </a:solidFill>
+                <a:prstDash val="solid"/>
+              </a:ln>
+              <a:solidFill>
+                <a:schemeClr val="accent5"/>
+              </a:solidFill>
+              <a:effectLst>
+                <a:outerShdw blurRad="12700" dist="38100" dir="2700000" algn="tl" rotWithShape="0">
+                  <a:schemeClr val="accent5">
+                    <a:lumMod val="60000"/>
+                    <a:lumOff val="40000"/>
+                  </a:schemeClr>
+                </a:outerShdw>
+              </a:effectLst>
+            </a:endParaRPr>
+          </a:p>
+          <a:p>
+            <a:pPr algn="ctr">
               <a:lnSpc>
                 <a:spcPct val="90000"/>
               </a:lnSpc>
               <a:spcAft>
                 <a:spcPts val="600"/>
               </a:spcAft>
-              <a:buFont typeface="Wingdings" panose="05000000000000000000" pitchFamily="2" charset="2"/>
-              <a:buChar char="§"/>
             </a:pPr>
-            <a:r>
-              <a:rPr lang="en-US" sz="3600" dirty="0" err="1">
-                <a:ln>
-                  <a:solidFill>
-                    <a:schemeClr val="accent5">
-                      <a:lumMod val="75000"/>
-                    </a:schemeClr>
-                  </a:solidFill>
-                </a:ln>
-              </a:rPr>
-              <a:t>Mantiene</a:t>
-            </a:r>
-            <a:r>
-              <a:rPr lang="en-US" sz="3600" dirty="0">
-                <a:ln>
-                  <a:solidFill>
-                    <a:schemeClr val="accent5">
-                      <a:lumMod val="75000"/>
-                    </a:schemeClr>
-                  </a:solidFill>
-                </a:ln>
-              </a:rPr>
-              <a:t> </a:t>
-            </a:r>
-            <a:r>
-              <a:rPr lang="en-US" sz="3600" dirty="0" err="1">
-                <a:ln>
-                  <a:solidFill>
-                    <a:schemeClr val="accent5">
-                      <a:lumMod val="75000"/>
-                    </a:schemeClr>
-                  </a:solidFill>
-                </a:ln>
-              </a:rPr>
-              <a:t>sugerencias</a:t>
-            </a:r>
-            <a:r>
-              <a:rPr lang="en-US" sz="3600" dirty="0">
-                <a:ln>
-                  <a:solidFill>
-                    <a:schemeClr val="accent5">
-                      <a:lumMod val="75000"/>
-                    </a:schemeClr>
-                  </a:solidFill>
-                </a:ln>
-              </a:rPr>
-              <a:t> de </a:t>
-            </a:r>
-            <a:r>
-              <a:rPr lang="en-US" sz="3600" dirty="0" err="1">
-                <a:ln>
-                  <a:solidFill>
-                    <a:schemeClr val="accent5">
-                      <a:lumMod val="75000"/>
-                    </a:schemeClr>
-                  </a:solidFill>
-                </a:ln>
-              </a:rPr>
-              <a:t>hábitos</a:t>
-            </a:r>
-            <a:r>
-              <a:rPr lang="en-US" sz="3600" dirty="0">
-                <a:ln>
-                  <a:solidFill>
-                    <a:schemeClr val="accent5">
-                      <a:lumMod val="75000"/>
-                    </a:schemeClr>
-                  </a:solidFill>
-                </a:ln>
-              </a:rPr>
-              <a:t> </a:t>
-            </a:r>
-            <a:r>
-              <a:rPr lang="en-US" sz="3600" dirty="0" err="1">
-                <a:ln>
-                  <a:solidFill>
-                    <a:schemeClr val="accent5">
-                      <a:lumMod val="75000"/>
-                    </a:schemeClr>
-                  </a:solidFill>
-                </a:ln>
-              </a:rPr>
-              <a:t>saludables</a:t>
-            </a:r>
-            <a:r>
-              <a:rPr lang="en-US" sz="3600" dirty="0">
-                <a:ln>
-                  <a:solidFill>
-                    <a:schemeClr val="accent5">
-                      <a:lumMod val="75000"/>
-                    </a:schemeClr>
-                  </a:solidFill>
-                </a:ln>
-              </a:rPr>
-              <a:t> </a:t>
-            </a:r>
-            <a:r>
-              <a:rPr lang="en-US" sz="3600" dirty="0" err="1">
-                <a:ln>
-                  <a:solidFill>
-                    <a:schemeClr val="accent5">
-                      <a:lumMod val="75000"/>
-                    </a:schemeClr>
-                  </a:solidFill>
-                </a:ln>
-              </a:rPr>
-              <a:t>ajustados</a:t>
-            </a:r>
-            <a:r>
-              <a:rPr lang="en-US" sz="3600" dirty="0">
-                <a:ln>
-                  <a:solidFill>
-                    <a:schemeClr val="accent5">
-                      <a:lumMod val="75000"/>
-                    </a:schemeClr>
-                  </a:solidFill>
-                </a:ln>
-              </a:rPr>
-              <a:t>.</a:t>
-            </a:r>
-          </a:p>
-          <a:p>
-            <a:pPr marL="628650" indent="-571500">
+            <a:endParaRPr lang="en-US" sz="4000" b="1" dirty="0">
+              <a:ln w="9525">
+                <a:solidFill>
+                  <a:schemeClr val="bg1"/>
+                </a:solidFill>
+                <a:prstDash val="solid"/>
+              </a:ln>
+              <a:solidFill>
+                <a:schemeClr val="accent5"/>
+              </a:solidFill>
+              <a:effectLst>
+                <a:outerShdw blurRad="12700" dist="38100" dir="2700000" algn="tl" rotWithShape="0">
+                  <a:schemeClr val="accent5">
+                    <a:lumMod val="60000"/>
+                    <a:lumOff val="40000"/>
+                  </a:schemeClr>
+                </a:outerShdw>
+              </a:effectLst>
+            </a:endParaRPr>
+          </a:p>
+          <a:p>
+            <a:pPr algn="ctr">
               <a:lnSpc>
                 <a:spcPct val="90000"/>
               </a:lnSpc>
               <a:spcAft>
                 <a:spcPts val="600"/>
               </a:spcAft>
-              <a:buFont typeface="Wingdings" panose="05000000000000000000" pitchFamily="2" charset="2"/>
-              <a:buChar char="§"/>
             </a:pPr>
-            <a:r>
-              <a:rPr lang="en-US" sz="3600" dirty="0" err="1">
+            <a:endParaRPr lang="en-US" sz="4000" b="1" dirty="0">
+              <a:ln w="9525">
+                <a:solidFill>
+                  <a:schemeClr val="bg1"/>
+                </a:solidFill>
+                <a:prstDash val="solid"/>
+              </a:ln>
+              <a:solidFill>
+                <a:schemeClr val="accent5"/>
+              </a:solidFill>
+              <a:effectLst>
+                <a:outerShdw blurRad="12700" dist="38100" dir="2700000" algn="tl" rotWithShape="0">
+                  <a:schemeClr val="accent5">
+                    <a:lumMod val="60000"/>
+                    <a:lumOff val="40000"/>
+                  </a:schemeClr>
+                </a:outerShdw>
+              </a:effectLst>
+            </a:endParaRPr>
+          </a:p>
+          <a:p>
+            <a:pPr algn="ctr">
+              <a:lnSpc>
+                <a:spcPct val="90000"/>
+              </a:lnSpc>
+              <a:spcAft>
+                <a:spcPts val="600"/>
+              </a:spcAft>
+            </a:pPr>
+            <a:endParaRPr lang="en-US" sz="4000" b="1" dirty="0">
+              <a:ln w="9525">
+                <a:solidFill>
+                  <a:schemeClr val="bg1"/>
+                </a:solidFill>
+                <a:prstDash val="solid"/>
+              </a:ln>
+              <a:solidFill>
+                <a:schemeClr val="accent5"/>
+              </a:solidFill>
+              <a:effectLst>
+                <a:outerShdw blurRad="12700" dist="38100" dir="2700000" algn="tl" rotWithShape="0">
+                  <a:schemeClr val="accent5">
+                    <a:lumMod val="60000"/>
+                    <a:lumOff val="40000"/>
+                  </a:schemeClr>
+                </a:outerShdw>
+              </a:effectLst>
+            </a:endParaRPr>
+          </a:p>
+        </p:txBody>
+      </p:sp>
+      <p:sp>
+        <p:nvSpPr>
+          <p:cNvPr id="7" name="CuadroTexto 6">
+            <a:extLst>
+              <a:ext uri="{FF2B5EF4-FFF2-40B4-BE49-F238E27FC236}">
+                <a16:creationId xmlns:a16="http://schemas.microsoft.com/office/drawing/2014/main" id="{AD9CAC95-F07F-832C-42A8-643774D5F4B7}"/>
+              </a:ext>
+            </a:extLst>
+          </p:cNvPr>
+          <p:cNvSpPr txBox="1"/>
+          <p:nvPr/>
+        </p:nvSpPr>
+        <p:spPr>
+          <a:xfrm flipV="1">
+            <a:off x="7379109" y="5890338"/>
+            <a:ext cx="652616" cy="45719"/>
+          </a:xfrm>
+          <a:prstGeom prst="rect">
+            <a:avLst/>
+          </a:prstGeom>
+          <a:noFill/>
+        </p:spPr>
+        <p:txBody>
+          <a:bodyPr wrap="square" rtlCol="0">
+            <a:spAutoFit/>
+          </a:bodyPr>
+          <a:lstStyle/>
+          <a:p>
+            <a:endParaRPr lang="es-AR" dirty="0"/>
+          </a:p>
+        </p:txBody>
+      </p:sp>
+      <p:sp>
+        <p:nvSpPr>
+          <p:cNvPr id="8" name="Rectangle 4">
+            <a:extLst>
+              <a:ext uri="{FF2B5EF4-FFF2-40B4-BE49-F238E27FC236}">
+                <a16:creationId xmlns:a16="http://schemas.microsoft.com/office/drawing/2014/main" id="{37236B2B-7582-ABFD-6CA1-D0F3A45AC5FE}"/>
+              </a:ext>
+            </a:extLst>
+          </p:cNvPr>
+          <p:cNvSpPr>
+            <a:spLocks noChangeArrowheads="1"/>
+          </p:cNvSpPr>
+          <p:nvPr/>
+        </p:nvSpPr>
+        <p:spPr bwMode="auto">
+          <a:xfrm>
+            <a:off x="1677341" y="1984836"/>
+            <a:ext cx="8701549" cy="3365024"/>
+          </a:xfrm>
+          <a:prstGeom prst="rect">
+            <a:avLst/>
+          </a:prstGeom>
+          <a:noFill/>
+          <a:ln>
+            <a:noFill/>
+          </a:ln>
+          <a:effectLst/>
+          <a:extLst>
+            <a:ext uri="{909E8E84-426E-40DD-AFC4-6F175D3DCCD1}">
+              <a14:hiddenFill xmlns:a14="http://schemas.microsoft.com/office/drawing/2010/main">
+                <a:solidFill>
+                  <a:schemeClr val="accent1"/>
+                </a:solidFill>
+              </a14:hiddenFill>
+            </a:ext>
+            <a:ext uri="{91240B29-F687-4F45-9708-019B960494DF}">
+              <a14:hiddenLine xmlns:a14="http://schemas.microsoft.com/office/drawing/2010/main" w="9525">
+                <a:solidFill>
+                  <a:schemeClr val="tx1"/>
+                </a:solidFill>
+                <a:miter lim="800000"/>
+                <a:headEnd/>
+                <a:tailEnd/>
+              </a14:hiddenLine>
+            </a:ext>
+            <a:ext uri="{AF507438-7753-43E0-B8FC-AC1667EBCBE1}">
+              <a14:hiddenEffects xmlns:a14="http://schemas.microsoft.com/office/drawing/2010/main">
+                <a:effectLst>
+                  <a:outerShdw dist="35921" dir="2700000" algn="ctr" rotWithShape="0">
+                    <a:schemeClr val="bg2"/>
+                  </a:outerShdw>
+                </a:effectLst>
+              </a14:hiddenEffects>
+            </a:ext>
+          </a:extLst>
+        </p:spPr>
+        <p:txBody>
+          <a:bodyPr vert="horz" wrap="square" lIns="91440" tIns="45720" rIns="91440" bIns="45720" numCol="1" anchor="ctr" anchorCtr="0" compatLnSpc="1">
+            <a:prstTxWarp prst="textNoShape">
+              <a:avLst/>
+            </a:prstTxWarp>
+            <a:spAutoFit/>
+          </a:bodyPr>
+          <a:lstStyle/>
+          <a:p>
+            <a:pPr marL="0" marR="0" lvl="0" indent="0" algn="l" defTabSz="914400" rtl="0" eaLnBrk="0" fontAlgn="base" latinLnBrk="0" hangingPunct="0">
+              <a:lnSpc>
+                <a:spcPct val="150000"/>
+              </a:lnSpc>
+              <a:spcBef>
+                <a:spcPct val="0"/>
+              </a:spcBef>
+              <a:spcAft>
+                <a:spcPct val="0"/>
+              </a:spcAft>
+              <a:buClrTx/>
+              <a:buSzTx/>
+              <a:buFontTx/>
+              <a:buChar char="•"/>
+              <a:tabLst/>
+            </a:pPr>
+            <a:r>
+              <a:rPr kumimoji="0" lang="es-AR" altLang="es-AR" sz="1800" i="0" u="none" strike="noStrike" cap="none" normalizeH="0" baseline="0" dirty="0">
                 <a:ln>
-                  <a:solidFill>
-                    <a:schemeClr val="accent5">
-                      <a:lumMod val="75000"/>
-                    </a:schemeClr>
-                  </a:solidFill>
+                  <a:noFill/>
                 </a:ln>
+                <a:solidFill>
+                  <a:schemeClr val="bg1"/>
+                </a:solidFill>
+                <a:effectLst/>
+                <a:latin typeface="Arial" panose="020B0604020202020204" pitchFamily="34" charset="0"/>
               </a:rPr>
-              <a:t>Optimiza</a:t>
-            </a:r>
-            <a:r>
-              <a:rPr lang="en-US" sz="3600" dirty="0">
+              <a:t>Permite registrar metas personales y compromisos fijos.</a:t>
+            </a:r>
+          </a:p>
+          <a:p>
+            <a:pPr marL="0" marR="0" lvl="0" indent="0" algn="l" defTabSz="914400" rtl="0" eaLnBrk="0" fontAlgn="base" latinLnBrk="0" hangingPunct="0">
+              <a:lnSpc>
+                <a:spcPct val="150000"/>
+              </a:lnSpc>
+              <a:spcBef>
+                <a:spcPct val="0"/>
+              </a:spcBef>
+              <a:spcAft>
+                <a:spcPct val="0"/>
+              </a:spcAft>
+              <a:buClrTx/>
+              <a:buSzTx/>
+              <a:buFontTx/>
+              <a:buChar char="•"/>
+              <a:tabLst/>
+            </a:pPr>
+            <a:r>
+              <a:rPr kumimoji="0" lang="es-AR" altLang="es-AR" sz="1800" i="0" u="none" strike="noStrike" cap="none" normalizeH="0" baseline="0" dirty="0">
                 <a:ln>
-                  <a:solidFill>
-                    <a:schemeClr val="accent5">
-                      <a:lumMod val="75000"/>
-                    </a:schemeClr>
-                  </a:solidFill>
+                  <a:noFill/>
                 </a:ln>
+                <a:solidFill>
+                  <a:schemeClr val="bg1"/>
+                </a:solidFill>
+                <a:effectLst/>
+                <a:latin typeface="Arial" panose="020B0604020202020204" pitchFamily="34" charset="0"/>
               </a:rPr>
-              <a:t> </a:t>
-            </a:r>
-            <a:r>
-              <a:rPr lang="en-US" sz="3600" dirty="0" err="1">
+              <a:t>Muestra las actividades programadas de la semana y las </a:t>
+            </a:r>
+            <a:r>
+              <a:rPr lang="es-AR" altLang="es-AR" dirty="0">
+                <a:solidFill>
+                  <a:schemeClr val="bg1"/>
+                </a:solidFill>
+                <a:latin typeface="Arial" panose="020B0604020202020204" pitchFamily="34" charset="0"/>
+              </a:rPr>
+              <a:t>de los </a:t>
+            </a:r>
+            <a:r>
+              <a:rPr kumimoji="0" lang="es-AR" altLang="es-AR" sz="1800" i="0" u="none" strike="noStrike" cap="none" normalizeH="0" baseline="0" dirty="0">
                 <a:ln>
-                  <a:solidFill>
-                    <a:schemeClr val="accent5">
-                      <a:lumMod val="75000"/>
-                    </a:schemeClr>
-                  </a:solidFill>
+                  <a:noFill/>
                 </a:ln>
+                <a:solidFill>
+                  <a:schemeClr val="bg1"/>
+                </a:solidFill>
+                <a:effectLst/>
+                <a:latin typeface="Arial" panose="020B0604020202020204" pitchFamily="34" charset="0"/>
               </a:rPr>
-              <a:t>el</a:t>
-            </a:r>
-            <a:r>
-              <a:rPr lang="en-US" sz="3600" dirty="0">
+              <a:t> próximos 30 minutos.</a:t>
+            </a:r>
+          </a:p>
+          <a:p>
+            <a:pPr marL="0" marR="0" lvl="0" indent="0" algn="l" defTabSz="914400" rtl="0" eaLnBrk="0" fontAlgn="base" latinLnBrk="0" hangingPunct="0">
+              <a:lnSpc>
+                <a:spcPct val="150000"/>
+              </a:lnSpc>
+              <a:spcBef>
+                <a:spcPct val="0"/>
+              </a:spcBef>
+              <a:spcAft>
+                <a:spcPct val="0"/>
+              </a:spcAft>
+              <a:buClrTx/>
+              <a:buSzTx/>
+              <a:buFontTx/>
+              <a:buChar char="•"/>
+              <a:tabLst/>
+            </a:pPr>
+            <a:r>
+              <a:rPr kumimoji="0" lang="es-AR" altLang="es-AR" sz="1800" i="0" u="none" strike="noStrike" cap="none" normalizeH="0" baseline="0" dirty="0">
                 <a:ln>
-                  <a:solidFill>
-                    <a:schemeClr val="accent5">
-                      <a:lumMod val="75000"/>
-                    </a:schemeClr>
-                  </a:solidFill>
+                  <a:noFill/>
                 </a:ln>
+                <a:solidFill>
+                  <a:schemeClr val="bg1"/>
+                </a:solidFill>
+                <a:effectLst/>
+                <a:latin typeface="Arial" panose="020B0604020202020204" pitchFamily="34" charset="0"/>
               </a:rPr>
-              <a:t> </a:t>
-            </a:r>
-            <a:r>
-              <a:rPr lang="en-US" sz="3600" dirty="0" err="1">
+              <a:t>Indica actividades vencidas o pendientes de completar.</a:t>
+            </a:r>
+          </a:p>
+          <a:p>
+            <a:pPr marL="0" marR="0" lvl="0" indent="0" algn="l" defTabSz="914400" rtl="0" eaLnBrk="0" fontAlgn="base" latinLnBrk="0" hangingPunct="0">
+              <a:lnSpc>
+                <a:spcPct val="150000"/>
+              </a:lnSpc>
+              <a:spcBef>
+                <a:spcPct val="0"/>
+              </a:spcBef>
+              <a:spcAft>
+                <a:spcPct val="0"/>
+              </a:spcAft>
+              <a:buClrTx/>
+              <a:buSzTx/>
+              <a:buFontTx/>
+              <a:buChar char="•"/>
+              <a:tabLst/>
+            </a:pPr>
+            <a:r>
+              <a:rPr kumimoji="0" lang="es-AR" altLang="es-AR" sz="1800" i="0" u="none" strike="noStrike" cap="none" normalizeH="0" baseline="0" dirty="0">
                 <a:ln>
-                  <a:solidFill>
-                    <a:schemeClr val="accent5">
-                      <a:lumMod val="75000"/>
-                    </a:schemeClr>
-                  </a:solidFill>
+                  <a:noFill/>
                 </a:ln>
+                <a:solidFill>
+                  <a:schemeClr val="bg1"/>
+                </a:solidFill>
+                <a:effectLst/>
+                <a:latin typeface="Arial" panose="020B0604020202020204" pitchFamily="34" charset="0"/>
               </a:rPr>
-              <a:t>tiempo</a:t>
-            </a:r>
-            <a:r>
-              <a:rPr lang="en-US" sz="3600" dirty="0">
+              <a:t>Facilita modificar o eliminar actividades registradas.</a:t>
+            </a:r>
+          </a:p>
+          <a:p>
+            <a:pPr marL="0" marR="0" lvl="0" indent="0" algn="l" defTabSz="914400" rtl="0" eaLnBrk="0" fontAlgn="base" latinLnBrk="0" hangingPunct="0">
+              <a:lnSpc>
+                <a:spcPct val="150000"/>
+              </a:lnSpc>
+              <a:spcBef>
+                <a:spcPct val="0"/>
+              </a:spcBef>
+              <a:spcAft>
+                <a:spcPct val="0"/>
+              </a:spcAft>
+              <a:buClrTx/>
+              <a:buSzTx/>
+              <a:buFontTx/>
+              <a:buChar char="•"/>
+              <a:tabLst/>
+            </a:pPr>
+            <a:r>
+              <a:rPr kumimoji="0" lang="es-AR" altLang="es-AR" sz="1800" i="0" u="none" strike="noStrike" cap="none" normalizeH="0" baseline="0" dirty="0">
                 <a:ln>
-                  <a:solidFill>
-                    <a:schemeClr val="accent5">
-                      <a:lumMod val="75000"/>
-                    </a:schemeClr>
-                  </a:solidFill>
+                  <a:noFill/>
                 </a:ln>
+                <a:solidFill>
+                  <a:schemeClr val="bg1"/>
+                </a:solidFill>
+                <a:effectLst/>
+                <a:latin typeface="Arial" panose="020B0604020202020204" pitchFamily="34" charset="0"/>
               </a:rPr>
-              <a:t> y </a:t>
-            </a:r>
-            <a:r>
-              <a:rPr lang="en-US" sz="3600" dirty="0" err="1">
+              <a:t>Genera reportes y estadísticas sobre el cumplimiento semanal.</a:t>
+            </a:r>
+          </a:p>
+          <a:p>
+            <a:pPr marL="0" marR="0" lvl="0" indent="0" algn="l" defTabSz="914400" rtl="0" eaLnBrk="0" fontAlgn="base" latinLnBrk="0" hangingPunct="0">
+              <a:lnSpc>
+                <a:spcPct val="150000"/>
+              </a:lnSpc>
+              <a:spcBef>
+                <a:spcPct val="0"/>
+              </a:spcBef>
+              <a:spcAft>
+                <a:spcPct val="0"/>
+              </a:spcAft>
+              <a:buClrTx/>
+              <a:buSzTx/>
+              <a:buFontTx/>
+              <a:buChar char="•"/>
+              <a:tabLst/>
+            </a:pPr>
+            <a:r>
+              <a:rPr kumimoji="0" lang="es-AR" altLang="es-AR" sz="1800" i="0" u="none" strike="noStrike" cap="none" normalizeH="0" baseline="0" dirty="0">
                 <a:ln>
-                  <a:solidFill>
-                    <a:schemeClr val="accent5">
-                      <a:lumMod val="75000"/>
-                    </a:schemeClr>
-                  </a:solidFill>
+                  <a:noFill/>
                 </a:ln>
+                <a:solidFill>
+                  <a:schemeClr val="bg1"/>
+                </a:solidFill>
+                <a:effectLst/>
+                <a:latin typeface="Arial" panose="020B0604020202020204" pitchFamily="34" charset="0"/>
               </a:rPr>
-              <a:t>recursos</a:t>
-            </a:r>
-            <a:r>
-              <a:rPr lang="en-US" sz="3600" dirty="0">
-                <a:ln>
-                  <a:solidFill>
-                    <a:schemeClr val="accent5">
-                      <a:lumMod val="75000"/>
-                    </a:schemeClr>
-                  </a:solidFill>
-                </a:ln>
-              </a:rPr>
-              <a:t> del </a:t>
-            </a:r>
-            <a:r>
-              <a:rPr lang="en-US" sz="3600" dirty="0" err="1">
-                <a:ln>
-                  <a:solidFill>
-                    <a:schemeClr val="accent5">
-                      <a:lumMod val="75000"/>
-                    </a:schemeClr>
-                  </a:solidFill>
-                </a:ln>
-              </a:rPr>
-              <a:t>usuario</a:t>
-            </a:r>
-            <a:endParaRPr lang="en-US" sz="3600" dirty="0">
-              <a:ln>
-                <a:solidFill>
-                  <a:schemeClr val="accent5">
-                    <a:lumMod val="75000"/>
-                  </a:schemeClr>
-                </a:solidFill>
-              </a:ln>
-            </a:endParaRPr>
+              <a:t>Ayuda al usuario a optimizar su tiempo y mantener sus hábitos de manera ordenada.</a:t>
+            </a:r>
           </a:p>
         </p:txBody>
       </p:sp>

--- a/present__entrega_1.pptx
+++ b/present__entrega_1.pptx
@@ -4,6 +4,9 @@
   <p:sldMasterIdLst>
     <p:sldMasterId id="2147483648" r:id="rId1"/>
   </p:sldMasterIdLst>
+  <p:notesMasterIdLst>
+    <p:notesMasterId r:id="rId15"/>
+  </p:notesMasterIdLst>
   <p:sldIdLst>
     <p:sldId id="256" r:id="rId2"/>
     <p:sldId id="257" r:id="rId3"/>
@@ -16,7 +19,8 @@
     <p:sldId id="265" r:id="rId10"/>
     <p:sldId id="268" r:id="rId11"/>
     <p:sldId id="269" r:id="rId12"/>
-    <p:sldId id="264" r:id="rId13"/>
+    <p:sldId id="271" r:id="rId13"/>
+    <p:sldId id="264" r:id="rId14"/>
   </p:sldIdLst>
   <p:sldSz cx="12192000" cy="6858000"/>
   <p:notesSz cx="6858000" cy="9144000"/>
@@ -132,6 +136,440 @@
 </p1510:revInfo>
 </file>
 
+<file path=ppt/notesMasters/notesMaster1.xml><?xml version="1.0" encoding="utf-8"?>
+<p:notesMaster xmlns:a="http://schemas.openxmlformats.org/drawingml/2006/main" xmlns:r="http://schemas.openxmlformats.org/officeDocument/2006/relationships" xmlns:p="http://schemas.openxmlformats.org/presentationml/2006/main">
+  <p:cSld>
+    <p:bg>
+      <p:bgRef idx="1001">
+        <a:schemeClr val="bg1"/>
+      </p:bgRef>
+    </p:bg>
+    <p:spTree>
+      <p:nvGrpSpPr>
+        <p:cNvPr id="1" name=""/>
+        <p:cNvGrpSpPr/>
+        <p:nvPr/>
+      </p:nvGrpSpPr>
+      <p:grpSpPr>
+        <a:xfrm>
+          <a:off x="0" y="0"/>
+          <a:ext cx="0" cy="0"/>
+          <a:chOff x="0" y="0"/>
+          <a:chExt cx="0" cy="0"/>
+        </a:xfrm>
+      </p:grpSpPr>
+      <p:sp>
+        <p:nvSpPr>
+          <p:cNvPr id="2" name="Marcador de encabezado 1"/>
+          <p:cNvSpPr>
+            <a:spLocks noGrp="1"/>
+          </p:cNvSpPr>
+          <p:nvPr>
+            <p:ph type="hdr" sz="quarter"/>
+          </p:nvPr>
+        </p:nvSpPr>
+        <p:spPr>
+          <a:xfrm>
+            <a:off x="0" y="0"/>
+            <a:ext cx="2971800" cy="458788"/>
+          </a:xfrm>
+          <a:prstGeom prst="rect">
+            <a:avLst/>
+          </a:prstGeom>
+        </p:spPr>
+        <p:txBody>
+          <a:bodyPr vert="horz" lIns="91440" tIns="45720" rIns="91440" bIns="45720" rtlCol="0"/>
+          <a:lstStyle>
+            <a:lvl1pPr algn="l">
+              <a:defRPr sz="1200"/>
+            </a:lvl1pPr>
+          </a:lstStyle>
+          <a:p>
+            <a:endParaRPr lang="es-AR"/>
+          </a:p>
+        </p:txBody>
+      </p:sp>
+      <p:sp>
+        <p:nvSpPr>
+          <p:cNvPr id="3" name="Marcador de fecha 2"/>
+          <p:cNvSpPr>
+            <a:spLocks noGrp="1"/>
+          </p:cNvSpPr>
+          <p:nvPr>
+            <p:ph type="dt" idx="1"/>
+          </p:nvPr>
+        </p:nvSpPr>
+        <p:spPr>
+          <a:xfrm>
+            <a:off x="3884613" y="0"/>
+            <a:ext cx="2971800" cy="458788"/>
+          </a:xfrm>
+          <a:prstGeom prst="rect">
+            <a:avLst/>
+          </a:prstGeom>
+        </p:spPr>
+        <p:txBody>
+          <a:bodyPr vert="horz" lIns="91440" tIns="45720" rIns="91440" bIns="45720" rtlCol="0"/>
+          <a:lstStyle>
+            <a:lvl1pPr algn="r">
+              <a:defRPr sz="1200"/>
+            </a:lvl1pPr>
+          </a:lstStyle>
+          <a:p>
+            <a:fld id="{75E7E182-6B7F-434B-8721-F00636C1EDB4}" type="datetimeFigureOut">
+              <a:rPr lang="es-AR" smtClean="0"/>
+              <a:t>7/11/2025</a:t>
+            </a:fld>
+            <a:endParaRPr lang="es-AR"/>
+          </a:p>
+        </p:txBody>
+      </p:sp>
+      <p:sp>
+        <p:nvSpPr>
+          <p:cNvPr id="4" name="Marcador de imagen de diapositiva 3"/>
+          <p:cNvSpPr>
+            <a:spLocks noGrp="1" noRot="1" noChangeAspect="1"/>
+          </p:cNvSpPr>
+          <p:nvPr>
+            <p:ph type="sldImg" idx="2"/>
+          </p:nvPr>
+        </p:nvSpPr>
+        <p:spPr>
+          <a:xfrm>
+            <a:off x="685800" y="1143000"/>
+            <a:ext cx="5486400" cy="3086100"/>
+          </a:xfrm>
+          <a:prstGeom prst="rect">
+            <a:avLst/>
+          </a:prstGeom>
+          <a:noFill/>
+          <a:ln w="12700">
+            <a:solidFill>
+              <a:prstClr val="black"/>
+            </a:solidFill>
+          </a:ln>
+        </p:spPr>
+        <p:txBody>
+          <a:bodyPr vert="horz" lIns="91440" tIns="45720" rIns="91440" bIns="45720" rtlCol="0" anchor="ctr"/>
+          <a:lstStyle/>
+          <a:p>
+            <a:endParaRPr lang="es-AR"/>
+          </a:p>
+        </p:txBody>
+      </p:sp>
+      <p:sp>
+        <p:nvSpPr>
+          <p:cNvPr id="5" name="Marcador de notas 4"/>
+          <p:cNvSpPr>
+            <a:spLocks noGrp="1"/>
+          </p:cNvSpPr>
+          <p:nvPr>
+            <p:ph type="body" sz="quarter" idx="3"/>
+          </p:nvPr>
+        </p:nvSpPr>
+        <p:spPr>
+          <a:xfrm>
+            <a:off x="685800" y="4400550"/>
+            <a:ext cx="5486400" cy="3600450"/>
+          </a:xfrm>
+          <a:prstGeom prst="rect">
+            <a:avLst/>
+          </a:prstGeom>
+        </p:spPr>
+        <p:txBody>
+          <a:bodyPr vert="horz" lIns="91440" tIns="45720" rIns="91440" bIns="45720" rtlCol="0"/>
+          <a:lstStyle/>
+          <a:p>
+            <a:pPr lvl="0"/>
+            <a:r>
+              <a:rPr lang="es-ES"/>
+              <a:t>Haga clic para modificar los estilos de texto del patrón</a:t>
+            </a:r>
+          </a:p>
+          <a:p>
+            <a:pPr lvl="1"/>
+            <a:r>
+              <a:rPr lang="es-ES"/>
+              <a:t>Segundo nivel</a:t>
+            </a:r>
+          </a:p>
+          <a:p>
+            <a:pPr lvl="2"/>
+            <a:r>
+              <a:rPr lang="es-ES"/>
+              <a:t>Tercer nivel</a:t>
+            </a:r>
+          </a:p>
+          <a:p>
+            <a:pPr lvl="3"/>
+            <a:r>
+              <a:rPr lang="es-ES"/>
+              <a:t>Cuarto nivel</a:t>
+            </a:r>
+          </a:p>
+          <a:p>
+            <a:pPr lvl="4"/>
+            <a:r>
+              <a:rPr lang="es-ES"/>
+              <a:t>Quinto nivel</a:t>
+            </a:r>
+            <a:endParaRPr lang="es-AR"/>
+          </a:p>
+        </p:txBody>
+      </p:sp>
+      <p:sp>
+        <p:nvSpPr>
+          <p:cNvPr id="6" name="Marcador de pie de página 5"/>
+          <p:cNvSpPr>
+            <a:spLocks noGrp="1"/>
+          </p:cNvSpPr>
+          <p:nvPr>
+            <p:ph type="ftr" sz="quarter" idx="4"/>
+          </p:nvPr>
+        </p:nvSpPr>
+        <p:spPr>
+          <a:xfrm>
+            <a:off x="0" y="8685213"/>
+            <a:ext cx="2971800" cy="458787"/>
+          </a:xfrm>
+          <a:prstGeom prst="rect">
+            <a:avLst/>
+          </a:prstGeom>
+        </p:spPr>
+        <p:txBody>
+          <a:bodyPr vert="horz" lIns="91440" tIns="45720" rIns="91440" bIns="45720" rtlCol="0" anchor="b"/>
+          <a:lstStyle>
+            <a:lvl1pPr algn="l">
+              <a:defRPr sz="1200"/>
+            </a:lvl1pPr>
+          </a:lstStyle>
+          <a:p>
+            <a:endParaRPr lang="es-AR"/>
+          </a:p>
+        </p:txBody>
+      </p:sp>
+      <p:sp>
+        <p:nvSpPr>
+          <p:cNvPr id="7" name="Marcador de número de diapositiva 6"/>
+          <p:cNvSpPr>
+            <a:spLocks noGrp="1"/>
+          </p:cNvSpPr>
+          <p:nvPr>
+            <p:ph type="sldNum" sz="quarter" idx="5"/>
+          </p:nvPr>
+        </p:nvSpPr>
+        <p:spPr>
+          <a:xfrm>
+            <a:off x="3884613" y="8685213"/>
+            <a:ext cx="2971800" cy="458787"/>
+          </a:xfrm>
+          <a:prstGeom prst="rect">
+            <a:avLst/>
+          </a:prstGeom>
+        </p:spPr>
+        <p:txBody>
+          <a:bodyPr vert="horz" lIns="91440" tIns="45720" rIns="91440" bIns="45720" rtlCol="0" anchor="b"/>
+          <a:lstStyle>
+            <a:lvl1pPr algn="r">
+              <a:defRPr sz="1200"/>
+            </a:lvl1pPr>
+          </a:lstStyle>
+          <a:p>
+            <a:fld id="{2CF780FE-C408-48CD-9B54-532DD8373058}" type="slidenum">
+              <a:rPr lang="es-AR" smtClean="0"/>
+              <a:t>‹Nº›</a:t>
+            </a:fld>
+            <a:endParaRPr lang="es-AR"/>
+          </a:p>
+        </p:txBody>
+      </p:sp>
+    </p:spTree>
+    <p:extLst>
+      <p:ext uri="{BB962C8B-B14F-4D97-AF65-F5344CB8AC3E}">
+        <p14:creationId xmlns:p14="http://schemas.microsoft.com/office/powerpoint/2010/main" val="583755370"/>
+      </p:ext>
+    </p:extLst>
+  </p:cSld>
+  <p:clrMap bg1="lt1" tx1="dk1" bg2="lt2" tx2="dk2" accent1="accent1" accent2="accent2" accent3="accent3" accent4="accent4" accent5="accent5" accent6="accent6" hlink="hlink" folHlink="folHlink"/>
+  <p:notesStyle>
+    <a:lvl1pPr marL="0" algn="l" defTabSz="914400" rtl="0" eaLnBrk="1" latinLnBrk="0" hangingPunct="1">
+      <a:defRPr sz="1200" kern="1200">
+        <a:solidFill>
+          <a:schemeClr val="tx1"/>
+        </a:solidFill>
+        <a:latin typeface="+mn-lt"/>
+        <a:ea typeface="+mn-ea"/>
+        <a:cs typeface="+mn-cs"/>
+      </a:defRPr>
+    </a:lvl1pPr>
+    <a:lvl2pPr marL="457200" algn="l" defTabSz="914400" rtl="0" eaLnBrk="1" latinLnBrk="0" hangingPunct="1">
+      <a:defRPr sz="1200" kern="1200">
+        <a:solidFill>
+          <a:schemeClr val="tx1"/>
+        </a:solidFill>
+        <a:latin typeface="+mn-lt"/>
+        <a:ea typeface="+mn-ea"/>
+        <a:cs typeface="+mn-cs"/>
+      </a:defRPr>
+    </a:lvl2pPr>
+    <a:lvl3pPr marL="914400" algn="l" defTabSz="914400" rtl="0" eaLnBrk="1" latinLnBrk="0" hangingPunct="1">
+      <a:defRPr sz="1200" kern="1200">
+        <a:solidFill>
+          <a:schemeClr val="tx1"/>
+        </a:solidFill>
+        <a:latin typeface="+mn-lt"/>
+        <a:ea typeface="+mn-ea"/>
+        <a:cs typeface="+mn-cs"/>
+      </a:defRPr>
+    </a:lvl3pPr>
+    <a:lvl4pPr marL="1371600" algn="l" defTabSz="914400" rtl="0" eaLnBrk="1" latinLnBrk="0" hangingPunct="1">
+      <a:defRPr sz="1200" kern="1200">
+        <a:solidFill>
+          <a:schemeClr val="tx1"/>
+        </a:solidFill>
+        <a:latin typeface="+mn-lt"/>
+        <a:ea typeface="+mn-ea"/>
+        <a:cs typeface="+mn-cs"/>
+      </a:defRPr>
+    </a:lvl4pPr>
+    <a:lvl5pPr marL="1828800" algn="l" defTabSz="914400" rtl="0" eaLnBrk="1" latinLnBrk="0" hangingPunct="1">
+      <a:defRPr sz="1200" kern="1200">
+        <a:solidFill>
+          <a:schemeClr val="tx1"/>
+        </a:solidFill>
+        <a:latin typeface="+mn-lt"/>
+        <a:ea typeface="+mn-ea"/>
+        <a:cs typeface="+mn-cs"/>
+      </a:defRPr>
+    </a:lvl5pPr>
+    <a:lvl6pPr marL="2286000" algn="l" defTabSz="914400" rtl="0" eaLnBrk="1" latinLnBrk="0" hangingPunct="1">
+      <a:defRPr sz="1200" kern="1200">
+        <a:solidFill>
+          <a:schemeClr val="tx1"/>
+        </a:solidFill>
+        <a:latin typeface="+mn-lt"/>
+        <a:ea typeface="+mn-ea"/>
+        <a:cs typeface="+mn-cs"/>
+      </a:defRPr>
+    </a:lvl6pPr>
+    <a:lvl7pPr marL="2743200" algn="l" defTabSz="914400" rtl="0" eaLnBrk="1" latinLnBrk="0" hangingPunct="1">
+      <a:defRPr sz="1200" kern="1200">
+        <a:solidFill>
+          <a:schemeClr val="tx1"/>
+        </a:solidFill>
+        <a:latin typeface="+mn-lt"/>
+        <a:ea typeface="+mn-ea"/>
+        <a:cs typeface="+mn-cs"/>
+      </a:defRPr>
+    </a:lvl7pPr>
+    <a:lvl8pPr marL="3200400" algn="l" defTabSz="914400" rtl="0" eaLnBrk="1" latinLnBrk="0" hangingPunct="1">
+      <a:defRPr sz="1200" kern="1200">
+        <a:solidFill>
+          <a:schemeClr val="tx1"/>
+        </a:solidFill>
+        <a:latin typeface="+mn-lt"/>
+        <a:ea typeface="+mn-ea"/>
+        <a:cs typeface="+mn-cs"/>
+      </a:defRPr>
+    </a:lvl8pPr>
+    <a:lvl9pPr marL="3657600" algn="l" defTabSz="914400" rtl="0" eaLnBrk="1" latinLnBrk="0" hangingPunct="1">
+      <a:defRPr sz="1200" kern="1200">
+        <a:solidFill>
+          <a:schemeClr val="tx1"/>
+        </a:solidFill>
+        <a:latin typeface="+mn-lt"/>
+        <a:ea typeface="+mn-ea"/>
+        <a:cs typeface="+mn-cs"/>
+      </a:defRPr>
+    </a:lvl9pPr>
+  </p:notesStyle>
+</p:notesMaster>
+</file>
+
+<file path=ppt/notesSlides/notesSlide1.xml><?xml version="1.0" encoding="utf-8"?>
+<p:notes xmlns:a="http://schemas.openxmlformats.org/drawingml/2006/main" xmlns:r="http://schemas.openxmlformats.org/officeDocument/2006/relationships" xmlns:p="http://schemas.openxmlformats.org/presentationml/2006/main">
+  <p:cSld>
+    <p:spTree>
+      <p:nvGrpSpPr>
+        <p:cNvPr id="1" name=""/>
+        <p:cNvGrpSpPr/>
+        <p:nvPr/>
+      </p:nvGrpSpPr>
+      <p:grpSpPr>
+        <a:xfrm>
+          <a:off x="0" y="0"/>
+          <a:ext cx="0" cy="0"/>
+          <a:chOff x="0" y="0"/>
+          <a:chExt cx="0" cy="0"/>
+        </a:xfrm>
+      </p:grpSpPr>
+      <p:sp>
+        <p:nvSpPr>
+          <p:cNvPr id="2" name="Marcador de imagen de diapositiva 1"/>
+          <p:cNvSpPr>
+            <a:spLocks noGrp="1" noRot="1" noChangeAspect="1"/>
+          </p:cNvSpPr>
+          <p:nvPr>
+            <p:ph type="sldImg"/>
+          </p:nvPr>
+        </p:nvSpPr>
+        <p:spPr/>
+      </p:sp>
+      <p:sp>
+        <p:nvSpPr>
+          <p:cNvPr id="3" name="Marcador de notas 2"/>
+          <p:cNvSpPr>
+            <a:spLocks noGrp="1"/>
+          </p:cNvSpPr>
+          <p:nvPr>
+            <p:ph type="body" idx="1"/>
+          </p:nvPr>
+        </p:nvSpPr>
+        <p:spPr/>
+        <p:txBody>
+          <a:bodyPr/>
+          <a:lstStyle/>
+          <a:p>
+            <a:endParaRPr lang="es-AR" dirty="0"/>
+          </a:p>
+        </p:txBody>
+      </p:sp>
+      <p:sp>
+        <p:nvSpPr>
+          <p:cNvPr id="4" name="Marcador de número de diapositiva 3"/>
+          <p:cNvSpPr>
+            <a:spLocks noGrp="1"/>
+          </p:cNvSpPr>
+          <p:nvPr>
+            <p:ph type="sldNum" sz="quarter" idx="5"/>
+          </p:nvPr>
+        </p:nvSpPr>
+        <p:spPr/>
+        <p:txBody>
+          <a:bodyPr/>
+          <a:lstStyle/>
+          <a:p>
+            <a:fld id="{2CF780FE-C408-48CD-9B54-532DD8373058}" type="slidenum">
+              <a:rPr lang="es-AR" smtClean="0"/>
+              <a:t>11</a:t>
+            </a:fld>
+            <a:endParaRPr lang="es-AR"/>
+          </a:p>
+        </p:txBody>
+      </p:sp>
+    </p:spTree>
+    <p:extLst>
+      <p:ext uri="{BB962C8B-B14F-4D97-AF65-F5344CB8AC3E}">
+        <p14:creationId xmlns:p14="http://schemas.microsoft.com/office/powerpoint/2010/main" val="1833483527"/>
+      </p:ext>
+    </p:extLst>
+  </p:cSld>
+  <p:clrMapOvr>
+    <a:masterClrMapping/>
+  </p:clrMapOvr>
+</p:notes>
+</file>
+
 <file path=ppt/slideLayouts/slideLayout1.xml><?xml version="1.0" encoding="utf-8"?>
 <p:sldLayout xmlns:a="http://schemas.openxmlformats.org/drawingml/2006/main" xmlns:r="http://schemas.openxmlformats.org/officeDocument/2006/relationships" xmlns:p="http://schemas.openxmlformats.org/presentationml/2006/main" type="title" preserve="1">
   <p:cSld name="Diapositiva de título">
@@ -281,7 +719,7 @@
           <a:p>
             <a:fld id="{45AC8926-5D0B-499C-AB0B-8DDFDF31E50F}" type="datetimeFigureOut">
               <a:rPr lang="es-AR" smtClean="0"/>
-              <a:t>5/11/2025</a:t>
+              <a:t>7/11/2025</a:t>
             </a:fld>
             <a:endParaRPr lang="es-AR"/>
           </a:p>
@@ -481,7 +919,7 @@
           <a:p>
             <a:fld id="{45AC8926-5D0B-499C-AB0B-8DDFDF31E50F}" type="datetimeFigureOut">
               <a:rPr lang="es-AR" smtClean="0"/>
-              <a:t>5/11/2025</a:t>
+              <a:t>7/11/2025</a:t>
             </a:fld>
             <a:endParaRPr lang="es-AR"/>
           </a:p>
@@ -691,7 +1129,7 @@
           <a:p>
             <a:fld id="{45AC8926-5D0B-499C-AB0B-8DDFDF31E50F}" type="datetimeFigureOut">
               <a:rPr lang="es-AR" smtClean="0"/>
-              <a:t>5/11/2025</a:t>
+              <a:t>7/11/2025</a:t>
             </a:fld>
             <a:endParaRPr lang="es-AR"/>
           </a:p>
@@ -891,7 +1329,7 @@
           <a:p>
             <a:fld id="{45AC8926-5D0B-499C-AB0B-8DDFDF31E50F}" type="datetimeFigureOut">
               <a:rPr lang="es-AR" smtClean="0"/>
-              <a:t>5/11/2025</a:t>
+              <a:t>7/11/2025</a:t>
             </a:fld>
             <a:endParaRPr lang="es-AR"/>
           </a:p>
@@ -1167,7 +1605,7 @@
           <a:p>
             <a:fld id="{45AC8926-5D0B-499C-AB0B-8DDFDF31E50F}" type="datetimeFigureOut">
               <a:rPr lang="es-AR" smtClean="0"/>
-              <a:t>5/11/2025</a:t>
+              <a:t>7/11/2025</a:t>
             </a:fld>
             <a:endParaRPr lang="es-AR"/>
           </a:p>
@@ -1435,7 +1873,7 @@
           <a:p>
             <a:fld id="{45AC8926-5D0B-499C-AB0B-8DDFDF31E50F}" type="datetimeFigureOut">
               <a:rPr lang="es-AR" smtClean="0"/>
-              <a:t>5/11/2025</a:t>
+              <a:t>7/11/2025</a:t>
             </a:fld>
             <a:endParaRPr lang="es-AR"/>
           </a:p>
@@ -1850,7 +2288,7 @@
           <a:p>
             <a:fld id="{45AC8926-5D0B-499C-AB0B-8DDFDF31E50F}" type="datetimeFigureOut">
               <a:rPr lang="es-AR" smtClean="0"/>
-              <a:t>5/11/2025</a:t>
+              <a:t>7/11/2025</a:t>
             </a:fld>
             <a:endParaRPr lang="es-AR"/>
           </a:p>
@@ -1992,7 +2430,7 @@
           <a:p>
             <a:fld id="{45AC8926-5D0B-499C-AB0B-8DDFDF31E50F}" type="datetimeFigureOut">
               <a:rPr lang="es-AR" smtClean="0"/>
-              <a:t>5/11/2025</a:t>
+              <a:t>7/11/2025</a:t>
             </a:fld>
             <a:endParaRPr lang="es-AR"/>
           </a:p>
@@ -2105,7 +2543,7 @@
           <a:p>
             <a:fld id="{45AC8926-5D0B-499C-AB0B-8DDFDF31E50F}" type="datetimeFigureOut">
               <a:rPr lang="es-AR" smtClean="0"/>
-              <a:t>5/11/2025</a:t>
+              <a:t>7/11/2025</a:t>
             </a:fld>
             <a:endParaRPr lang="es-AR"/>
           </a:p>
@@ -2418,7 +2856,7 @@
           <a:p>
             <a:fld id="{45AC8926-5D0B-499C-AB0B-8DDFDF31E50F}" type="datetimeFigureOut">
               <a:rPr lang="es-AR" smtClean="0"/>
-              <a:t>5/11/2025</a:t>
+              <a:t>7/11/2025</a:t>
             </a:fld>
             <a:endParaRPr lang="es-AR"/>
           </a:p>
@@ -2707,7 +3145,7 @@
           <a:p>
             <a:fld id="{45AC8926-5D0B-499C-AB0B-8DDFDF31E50F}" type="datetimeFigureOut">
               <a:rPr lang="es-AR" smtClean="0"/>
-              <a:t>5/11/2025</a:t>
+              <a:t>7/11/2025</a:t>
             </a:fld>
             <a:endParaRPr lang="es-AR"/>
           </a:p>
@@ -2950,7 +3388,7 @@
           <a:p>
             <a:fld id="{45AC8926-5D0B-499C-AB0B-8DDFDF31E50F}" type="datetimeFigureOut">
               <a:rPr lang="es-AR" smtClean="0"/>
-              <a:t>5/11/2025</a:t>
+              <a:t>7/11/2025</a:t>
             </a:fld>
             <a:endParaRPr lang="es-AR"/>
           </a:p>
@@ -4081,7 +4519,7 @@
           <p:nvPr>
             <p:extLst>
               <p:ext uri="{D42A27DB-BD31-4B8C-83A1-F6EECF244321}">
-                <p14:modId xmlns:p14="http://schemas.microsoft.com/office/powerpoint/2010/main" val="1222356817"/>
+                <p14:modId xmlns:p14="http://schemas.microsoft.com/office/powerpoint/2010/main" val="3737417739"/>
               </p:ext>
             </p:extLst>
           </p:nvPr>
@@ -4702,7 +5140,7 @@
           <p:nvPr/>
         </p:nvPicPr>
         <p:blipFill rotWithShape="1">
-          <a:blip r:embed="rId2">
+          <a:blip r:embed="rId3">
             <a:extLst>
               <a:ext uri="{28A0092B-C50C-407E-A947-70E740481C1C}">
                 <a14:useLocalDpi xmlns:a14="http://schemas.microsoft.com/office/drawing/2010/main" val="0"/>
@@ -5299,6 +5737,154 @@
 </file>
 
 <file path=ppt/slides/slide12.xml><?xml version="1.0" encoding="utf-8"?>
+<p:sld xmlns:a="http://schemas.openxmlformats.org/drawingml/2006/main" xmlns:r="http://schemas.openxmlformats.org/officeDocument/2006/relationships" xmlns:p="http://schemas.openxmlformats.org/presentationml/2006/main">
+  <p:cSld>
+    <p:bg>
+      <p:bgPr>
+        <a:solidFill>
+          <a:schemeClr val="accent1"/>
+        </a:solidFill>
+        <a:effectLst/>
+      </p:bgPr>
+    </p:bg>
+    <p:spTree>
+      <p:nvGrpSpPr>
+        <p:cNvPr id="1" name=""/>
+        <p:cNvGrpSpPr/>
+        <p:nvPr/>
+      </p:nvGrpSpPr>
+      <p:grpSpPr>
+        <a:xfrm>
+          <a:off x="0" y="0"/>
+          <a:ext cx="0" cy="0"/>
+          <a:chOff x="0" y="0"/>
+          <a:chExt cx="0" cy="0"/>
+        </a:xfrm>
+      </p:grpSpPr>
+      <p:sp>
+        <p:nvSpPr>
+          <p:cNvPr id="4" name="CuadroTexto 3">
+            <a:extLst>
+              <a:ext uri="{FF2B5EF4-FFF2-40B4-BE49-F238E27FC236}">
+                <a16:creationId xmlns:a16="http://schemas.microsoft.com/office/drawing/2014/main" id="{E30BD4F8-063F-E89A-14B0-278B51895AA0}"/>
+              </a:ext>
+            </a:extLst>
+          </p:cNvPr>
+          <p:cNvSpPr txBox="1"/>
+          <p:nvPr/>
+        </p:nvSpPr>
+        <p:spPr>
+          <a:xfrm>
+            <a:off x="4583957" y="38100"/>
+            <a:ext cx="3214586" cy="584775"/>
+          </a:xfrm>
+          <a:prstGeom prst="rect">
+            <a:avLst/>
+          </a:prstGeom>
+          <a:noFill/>
+        </p:spPr>
+        <p:txBody>
+          <a:bodyPr wrap="square" rtlCol="0">
+            <a:spAutoFit/>
+          </a:bodyPr>
+          <a:lstStyle/>
+          <a:p>
+            <a:r>
+              <a:rPr lang="en-US" sz="3200" b="1" dirty="0" err="1">
+                <a:ln w="9525">
+                  <a:solidFill>
+                    <a:schemeClr val="bg1"/>
+                  </a:solidFill>
+                  <a:prstDash val="solid"/>
+                </a:ln>
+                <a:solidFill>
+                  <a:schemeClr val="bg1"/>
+                </a:solidFill>
+                <a:effectLst>
+                  <a:outerShdw blurRad="12700" dist="38100" dir="2700000" algn="tl" rotWithShape="0">
+                    <a:schemeClr val="accent5">
+                      <a:lumMod val="60000"/>
+                      <a:lumOff val="40000"/>
+                    </a:schemeClr>
+                  </a:outerShdw>
+                </a:effectLst>
+              </a:rPr>
+              <a:t>Diagrama</a:t>
+            </a:r>
+            <a:r>
+              <a:rPr lang="en-US" sz="3200" b="1" dirty="0">
+                <a:ln w="9525">
+                  <a:solidFill>
+                    <a:schemeClr val="bg1"/>
+                  </a:solidFill>
+                  <a:prstDash val="solid"/>
+                </a:ln>
+                <a:solidFill>
+                  <a:schemeClr val="bg1"/>
+                </a:solidFill>
+                <a:effectLst>
+                  <a:outerShdw blurRad="12700" dist="38100" dir="2700000" algn="tl" rotWithShape="0">
+                    <a:schemeClr val="accent5">
+                      <a:lumMod val="60000"/>
+                      <a:lumOff val="40000"/>
+                    </a:schemeClr>
+                  </a:outerShdw>
+                </a:effectLst>
+              </a:rPr>
+              <a:t> UML</a:t>
+            </a:r>
+            <a:endParaRPr lang="es-AR" sz="3200" dirty="0">
+              <a:solidFill>
+                <a:schemeClr val="bg1"/>
+              </a:solidFill>
+            </a:endParaRPr>
+          </a:p>
+        </p:txBody>
+      </p:sp>
+      <p:pic>
+        <p:nvPicPr>
+          <p:cNvPr id="13" name="Imagen 12">
+            <a:extLst>
+              <a:ext uri="{FF2B5EF4-FFF2-40B4-BE49-F238E27FC236}">
+                <a16:creationId xmlns:a16="http://schemas.microsoft.com/office/drawing/2014/main" id="{2677CB2B-A4D7-30BF-9264-0F266B5DCA0C}"/>
+              </a:ext>
+            </a:extLst>
+          </p:cNvPr>
+          <p:cNvPicPr>
+            <a:picLocks noChangeAspect="1"/>
+          </p:cNvPicPr>
+          <p:nvPr/>
+        </p:nvPicPr>
+        <p:blipFill>
+          <a:blip r:embed="rId2"/>
+          <a:stretch>
+            <a:fillRect/>
+          </a:stretch>
+        </p:blipFill>
+        <p:spPr>
+          <a:xfrm>
+            <a:off x="1060818" y="622875"/>
+            <a:ext cx="10070363" cy="6156088"/>
+          </a:xfrm>
+          <a:prstGeom prst="rect">
+            <a:avLst/>
+          </a:prstGeom>
+        </p:spPr>
+      </p:pic>
+    </p:spTree>
+    <p:extLst>
+      <p:ext uri="{BB962C8B-B14F-4D97-AF65-F5344CB8AC3E}">
+        <p14:creationId xmlns:p14="http://schemas.microsoft.com/office/powerpoint/2010/main" val="3331668222"/>
+      </p:ext>
+    </p:extLst>
+  </p:cSld>
+  <p:clrMapOvr>
+    <a:masterClrMapping/>
+  </p:clrMapOvr>
+</p:sld>
+</file>
+
+<file path=ppt/slides/slide13.xml><?xml version="1.0" encoding="utf-8"?>
 <p:sld xmlns:a="http://schemas.openxmlformats.org/drawingml/2006/main" xmlns:r="http://schemas.openxmlformats.org/officeDocument/2006/relationships" xmlns:p="http://schemas.openxmlformats.org/presentationml/2006/main">
   <p:cSld>
     <p:bg>
@@ -13415,4 +14001,299 @@
     </a:ext>
   </a:extLst>
 </a:theme>
+</file>
+
+<file path=ppt/theme/theme2.xml><?xml version="1.0" encoding="utf-8"?>
+<a:theme xmlns:a="http://schemas.openxmlformats.org/drawingml/2006/main" name="Tema de Office">
+  <a:themeElements>
+    <a:clrScheme name="Office">
+      <a:dk1>
+        <a:sysClr val="windowText" lastClr="000000"/>
+      </a:dk1>
+      <a:lt1>
+        <a:sysClr val="window" lastClr="FFFFFF"/>
+      </a:lt1>
+      <a:dk2>
+        <a:srgbClr val="44546A"/>
+      </a:dk2>
+      <a:lt2>
+        <a:srgbClr val="E7E6E6"/>
+      </a:lt2>
+      <a:accent1>
+        <a:srgbClr val="4472C4"/>
+      </a:accent1>
+      <a:accent2>
+        <a:srgbClr val="ED7D31"/>
+      </a:accent2>
+      <a:accent3>
+        <a:srgbClr val="A5A5A5"/>
+      </a:accent3>
+      <a:accent4>
+        <a:srgbClr val="FFC000"/>
+      </a:accent4>
+      <a:accent5>
+        <a:srgbClr val="5B9BD5"/>
+      </a:accent5>
+      <a:accent6>
+        <a:srgbClr val="70AD47"/>
+      </a:accent6>
+      <a:hlink>
+        <a:srgbClr val="0563C1"/>
+      </a:hlink>
+      <a:folHlink>
+        <a:srgbClr val="954F72"/>
+      </a:folHlink>
+    </a:clrScheme>
+    <a:fontScheme name="Office">
+      <a:majorFont>
+        <a:latin typeface="Calibri Light" panose="020F0302020204030204"/>
+        <a:ea typeface=""/>
+        <a:cs typeface=""/>
+        <a:font script="Jpan" typeface="游ゴシック Light"/>
+        <a:font script="Hang" typeface="맑은 고딕"/>
+        <a:font script="Hans" typeface="等线 Light"/>
+        <a:font script="Hant" typeface="新細明體"/>
+        <a:font script="Arab" typeface="Times New Roman"/>
+        <a:font script="Hebr" typeface="Times New Roman"/>
+        <a:font script="Thai" typeface="Angsana New"/>
+        <a:font script="Ethi" typeface="Nyala"/>
+        <a:font script="Beng" typeface="Vrinda"/>
+        <a:font script="Gujr" typeface="Shruti"/>
+        <a:font script="Khmr" typeface="MoolBoran"/>
+        <a:font script="Knda" typeface="Tunga"/>
+        <a:font script="Guru" typeface="Raavi"/>
+        <a:font script="Cans" typeface="Euphemia"/>
+        <a:font script="Cher" typeface="Plantagenet Cherokee"/>
+        <a:font script="Yiii" typeface="Microsoft Yi Baiti"/>
+        <a:font script="Tibt" typeface="Microsoft Himalaya"/>
+        <a:font script="Thaa" typeface="MV Boli"/>
+        <a:font script="Deva" typeface="Mangal"/>
+        <a:font script="Telu" typeface="Gautami"/>
+        <a:font script="Taml" typeface="Latha"/>
+        <a:font script="Syrc" typeface="Estrangelo Edessa"/>
+        <a:font script="Orya" typeface="Kalinga"/>
+        <a:font script="Mlym" typeface="Kartika"/>
+        <a:font script="Laoo" typeface="DokChampa"/>
+        <a:font script="Sinh" typeface="Iskoola Pota"/>
+        <a:font script="Mong" typeface="Mongolian Baiti"/>
+        <a:font script="Viet" typeface="Times New Roman"/>
+        <a:font script="Uigh" typeface="Microsoft Uighur"/>
+        <a:font script="Geor" typeface="Sylfaen"/>
+        <a:font script="Armn" typeface="Arial"/>
+        <a:font script="Bugi" typeface="Leelawadee UI"/>
+        <a:font script="Bopo" typeface="Microsoft JhengHei"/>
+        <a:font script="Java" typeface="Javanese Text"/>
+        <a:font script="Lisu" typeface="Segoe UI"/>
+        <a:font script="Mymr" typeface="Myanmar Text"/>
+        <a:font script="Nkoo" typeface="Ebrima"/>
+        <a:font script="Olck" typeface="Nirmala UI"/>
+        <a:font script="Osma" typeface="Ebrima"/>
+        <a:font script="Phag" typeface="Phagspa"/>
+        <a:font script="Syrn" typeface="Estrangelo Edessa"/>
+        <a:font script="Syrj" typeface="Estrangelo Edessa"/>
+        <a:font script="Syre" typeface="Estrangelo Edessa"/>
+        <a:font script="Sora" typeface="Nirmala UI"/>
+        <a:font script="Tale" typeface="Microsoft Tai Le"/>
+        <a:font script="Talu" typeface="Microsoft New Tai Lue"/>
+        <a:font script="Tfng" typeface="Ebrima"/>
+      </a:majorFont>
+      <a:minorFont>
+        <a:latin typeface="Calibri" panose="020F0502020204030204"/>
+        <a:ea typeface=""/>
+        <a:cs typeface=""/>
+        <a:font script="Jpan" typeface="游ゴシック"/>
+        <a:font script="Hang" typeface="맑은 고딕"/>
+        <a:font script="Hans" typeface="等线"/>
+        <a:font script="Hant" typeface="新細明體"/>
+        <a:font script="Arab" typeface="Arial"/>
+        <a:font script="Hebr" typeface="Arial"/>
+        <a:font script="Thai" typeface="Cordia New"/>
+        <a:font script="Ethi" typeface="Nyala"/>
+        <a:font script="Beng" typeface="Vrinda"/>
+        <a:font script="Gujr" typeface="Shruti"/>
+        <a:font script="Khmr" typeface="DaunPenh"/>
+        <a:font script="Knda" typeface="Tunga"/>
+        <a:font script="Guru" typeface="Raavi"/>
+        <a:font script="Cans" typeface="Euphemia"/>
+        <a:font script="Cher" typeface="Plantagenet Cherokee"/>
+        <a:font script="Yiii" typeface="Microsoft Yi Baiti"/>
+        <a:font script="Tibt" typeface="Microsoft Himalaya"/>
+        <a:font script="Thaa" typeface="MV Boli"/>
+        <a:font script="Deva" typeface="Mangal"/>
+        <a:font script="Telu" typeface="Gautami"/>
+        <a:font script="Taml" typeface="Latha"/>
+        <a:font script="Syrc" typeface="Estrangelo Edessa"/>
+        <a:font script="Orya" typeface="Kalinga"/>
+        <a:font script="Mlym" typeface="Kartika"/>
+        <a:font script="Laoo" typeface="DokChampa"/>
+        <a:font script="Sinh" typeface="Iskoola Pota"/>
+        <a:font script="Mong" typeface="Mongolian Baiti"/>
+        <a:font script="Viet" typeface="Arial"/>
+        <a:font script="Uigh" typeface="Microsoft Uighur"/>
+        <a:font script="Geor" typeface="Sylfaen"/>
+        <a:font script="Armn" typeface="Arial"/>
+        <a:font script="Bugi" typeface="Leelawadee UI"/>
+        <a:font script="Bopo" typeface="Microsoft JhengHei"/>
+        <a:font script="Java" typeface="Javanese Text"/>
+        <a:font script="Lisu" typeface="Segoe UI"/>
+        <a:font script="Mymr" typeface="Myanmar Text"/>
+        <a:font script="Nkoo" typeface="Ebrima"/>
+        <a:font script="Olck" typeface="Nirmala UI"/>
+        <a:font script="Osma" typeface="Ebrima"/>
+        <a:font script="Phag" typeface="Phagspa"/>
+        <a:font script="Syrn" typeface="Estrangelo Edessa"/>
+        <a:font script="Syrj" typeface="Estrangelo Edessa"/>
+        <a:font script="Syre" typeface="Estrangelo Edessa"/>
+        <a:font script="Sora" typeface="Nirmala UI"/>
+        <a:font script="Tale" typeface="Microsoft Tai Le"/>
+        <a:font script="Talu" typeface="Microsoft New Tai Lue"/>
+        <a:font script="Tfng" typeface="Ebrima"/>
+      </a:minorFont>
+    </a:fontScheme>
+    <a:fmtScheme name="Office">
+      <a:fillStyleLst>
+        <a:solidFill>
+          <a:schemeClr val="phClr"/>
+        </a:solidFill>
+        <a:gradFill rotWithShape="1">
+          <a:gsLst>
+            <a:gs pos="0">
+              <a:schemeClr val="phClr">
+                <a:lumMod val="110000"/>
+                <a:satMod val="105000"/>
+                <a:tint val="67000"/>
+              </a:schemeClr>
+            </a:gs>
+            <a:gs pos="50000">
+              <a:schemeClr val="phClr">
+                <a:lumMod val="105000"/>
+                <a:satMod val="103000"/>
+                <a:tint val="73000"/>
+              </a:schemeClr>
+            </a:gs>
+            <a:gs pos="100000">
+              <a:schemeClr val="phClr">
+                <a:lumMod val="105000"/>
+                <a:satMod val="109000"/>
+                <a:tint val="81000"/>
+              </a:schemeClr>
+            </a:gs>
+          </a:gsLst>
+          <a:lin ang="5400000" scaled="0"/>
+        </a:gradFill>
+        <a:gradFill rotWithShape="1">
+          <a:gsLst>
+            <a:gs pos="0">
+              <a:schemeClr val="phClr">
+                <a:satMod val="103000"/>
+                <a:lumMod val="102000"/>
+                <a:tint val="94000"/>
+              </a:schemeClr>
+            </a:gs>
+            <a:gs pos="50000">
+              <a:schemeClr val="phClr">
+                <a:satMod val="110000"/>
+                <a:lumMod val="100000"/>
+                <a:shade val="100000"/>
+              </a:schemeClr>
+            </a:gs>
+            <a:gs pos="100000">
+              <a:schemeClr val="phClr">
+                <a:lumMod val="99000"/>
+                <a:satMod val="120000"/>
+                <a:shade val="78000"/>
+              </a:schemeClr>
+            </a:gs>
+          </a:gsLst>
+          <a:lin ang="5400000" scaled="0"/>
+        </a:gradFill>
+      </a:fillStyleLst>
+      <a:lnStyleLst>
+        <a:ln w="6350" cap="flat" cmpd="sng" algn="ctr">
+          <a:solidFill>
+            <a:schemeClr val="phClr"/>
+          </a:solidFill>
+          <a:prstDash val="solid"/>
+          <a:miter lim="800000"/>
+        </a:ln>
+        <a:ln w="12700" cap="flat" cmpd="sng" algn="ctr">
+          <a:solidFill>
+            <a:schemeClr val="phClr"/>
+          </a:solidFill>
+          <a:prstDash val="solid"/>
+          <a:miter lim="800000"/>
+        </a:ln>
+        <a:ln w="19050" cap="flat" cmpd="sng" algn="ctr">
+          <a:solidFill>
+            <a:schemeClr val="phClr"/>
+          </a:solidFill>
+          <a:prstDash val="solid"/>
+          <a:miter lim="800000"/>
+        </a:ln>
+      </a:lnStyleLst>
+      <a:effectStyleLst>
+        <a:effectStyle>
+          <a:effectLst/>
+        </a:effectStyle>
+        <a:effectStyle>
+          <a:effectLst/>
+        </a:effectStyle>
+        <a:effectStyle>
+          <a:effectLst>
+            <a:outerShdw blurRad="57150" dist="19050" dir="5400000" algn="ctr" rotWithShape="0">
+              <a:srgbClr val="000000">
+                <a:alpha val="63000"/>
+              </a:srgbClr>
+            </a:outerShdw>
+          </a:effectLst>
+        </a:effectStyle>
+      </a:effectStyleLst>
+      <a:bgFillStyleLst>
+        <a:solidFill>
+          <a:schemeClr val="phClr"/>
+        </a:solidFill>
+        <a:solidFill>
+          <a:schemeClr val="phClr">
+            <a:tint val="95000"/>
+            <a:satMod val="170000"/>
+          </a:schemeClr>
+        </a:solidFill>
+        <a:gradFill rotWithShape="1">
+          <a:gsLst>
+            <a:gs pos="0">
+              <a:schemeClr val="phClr">
+                <a:tint val="93000"/>
+                <a:satMod val="150000"/>
+                <a:shade val="98000"/>
+                <a:lumMod val="102000"/>
+              </a:schemeClr>
+            </a:gs>
+            <a:gs pos="50000">
+              <a:schemeClr val="phClr">
+                <a:tint val="98000"/>
+                <a:satMod val="130000"/>
+                <a:shade val="90000"/>
+                <a:lumMod val="103000"/>
+              </a:schemeClr>
+            </a:gs>
+            <a:gs pos="100000">
+              <a:schemeClr val="phClr">
+                <a:shade val="63000"/>
+                <a:satMod val="120000"/>
+              </a:schemeClr>
+            </a:gs>
+          </a:gsLst>
+          <a:lin ang="5400000" scaled="0"/>
+        </a:gradFill>
+      </a:bgFillStyleLst>
+    </a:fmtScheme>
+  </a:themeElements>
+  <a:objectDefaults/>
+  <a:extraClrSchemeLst/>
+  <a:extLst>
+    <a:ext uri="{05A4C25C-085E-4340-85A3-A5531E510DB2}">
+      <thm15:themeFamily xmlns:thm15="http://schemas.microsoft.com/office/thememl/2012/main" name="Office Theme" id="{62F939B6-93AF-4DB8-9C6B-D6C7DFDC589F}" vid="{4A3C46E8-61CC-4603-A589-7422A47A8E4A}"/>
+    </a:ext>
+  </a:extLst>
+</a:theme>
 </file>